--- a/wifi-hacking-presentation.pptx
+++ b/wifi-hacking-presentation.pptx
@@ -5,7 +5,7 @@
     <p:sldMasterId id="2147483648" r:id="rId1"/>
   </p:sldMasterIdLst>
   <p:notesMasterIdLst>
-    <p:notesMasterId r:id="rId10"/>
+    <p:notesMasterId r:id="rId11"/>
   </p:notesMasterIdLst>
   <p:sldIdLst>
     <p:sldId id="256" r:id="rId4"/>
@@ -14,6 +14,7 @@
     <p:sldId id="259" r:id="rId7"/>
     <p:sldId id="260" r:id="rId8"/>
     <p:sldId id="261" r:id="rId9"/>
+    <p:sldId id="262" r:id="rId10"/>
   </p:sldIdLst>
   <p:sldSz cx="12192000" cy="6858000"/>
   <p:notesSz cx="6858000" cy="9144000"/>
@@ -139,7 +140,7 @@
       </p:grpSpPr>
       <p:sp>
         <p:nvSpPr>
-          <p:cNvPr id="1323831070" name="Header Placeholder 1"/>
+          <p:cNvPr id="1548466207" name="Header Placeholder 1"/>
           <p:cNvSpPr>
             <a:spLocks noGrp="1"/>
           </p:cNvSpPr>
@@ -173,7 +174,7 @@
       </p:sp>
       <p:sp>
         <p:nvSpPr>
-          <p:cNvPr id="382449674" name="Date Placeholder 2"/>
+          <p:cNvPr id="1969777287" name="Date Placeholder 2"/>
           <p:cNvSpPr>
             <a:spLocks noGrp="1"/>
           </p:cNvSpPr>
@@ -211,7 +212,7 @@
       </p:sp>
       <p:sp>
         <p:nvSpPr>
-          <p:cNvPr id="1322731358" name="Slide Image Placeholder 3"/>
+          <p:cNvPr id="1589568292" name="Slide Image Placeholder 3"/>
           <p:cNvSpPr>
             <a:spLocks noChangeAspect="1" noGrp="1" noRot="1"/>
           </p:cNvSpPr>
@@ -247,7 +248,7 @@
       </p:sp>
       <p:sp>
         <p:nvSpPr>
-          <p:cNvPr id="1773219779" name="Notes Placeholder 4"/>
+          <p:cNvPr id="1340732647" name="Notes Placeholder 4"/>
           <p:cNvSpPr>
             <a:spLocks noGrp="1"/>
           </p:cNvSpPr>
@@ -321,7 +322,7 @@
       </p:sp>
       <p:sp>
         <p:nvSpPr>
-          <p:cNvPr id="1090891819" name="Footer Placeholder 5"/>
+          <p:cNvPr id="2134213832" name="Footer Placeholder 5"/>
           <p:cNvSpPr>
             <a:spLocks noGrp="1"/>
           </p:cNvSpPr>
@@ -355,7 +356,7 @@
       </p:sp>
       <p:sp>
         <p:nvSpPr>
-          <p:cNvPr id="1973575722" name="Slide Number Placeholder 6"/>
+          <p:cNvPr id="986452883" name="Slide Number Placeholder 6"/>
           <p:cNvSpPr>
             <a:spLocks noGrp="1"/>
           </p:cNvSpPr>
@@ -508,7 +509,7 @@
       </p:grpSpPr>
       <p:sp>
         <p:nvSpPr>
-          <p:cNvPr id="844662091" name="Slide Image Placeholder 1"/>
+          <p:cNvPr id="1677585671" name="Slide Image Placeholder 1"/>
           <p:cNvSpPr>
             <a:spLocks noChangeAspect="1" noGrp="1" noRot="1"/>
           </p:cNvSpPr>
@@ -525,7 +526,7 @@
       </p:sp>
       <p:sp>
         <p:nvSpPr>
-          <p:cNvPr id="710758295" name="Notes Placeholder 2"/>
+          <p:cNvPr id="1940621049" name="Notes Placeholder 2"/>
           <p:cNvSpPr>
             <a:spLocks noGrp="1"/>
           </p:cNvSpPr>
@@ -550,7 +551,7 @@
       </p:sp>
       <p:sp>
         <p:nvSpPr>
-          <p:cNvPr id="565472415" name="Slide Number Placeholder 3"/>
+          <p:cNvPr id="1673164985" name="Slide Number Placeholder 3"/>
           <p:cNvSpPr>
             <a:spLocks noGrp="1"/>
           </p:cNvSpPr>
@@ -651,7 +652,7 @@
             <a:pPr>
               <a:defRPr/>
             </a:pPr>
-            <a:fld id="{037E806A-6254-F53D-975E-74F4E2D9B6D4}" type="slidenum">
+            <a:fld id="{2A7CA313-D5FA-87D1-97DE-884DD8CE4DAC}" type="slidenum">
               <a:rPr/>
               <a:t/>
             </a:fld>
@@ -686,7 +687,7 @@
       </p:grpSpPr>
       <p:sp>
         <p:nvSpPr>
-          <p:cNvPr id="2" name="Slide Image Placeholder 1"/>
+          <p:cNvPr id="318966460" name="Slide Image Placeholder 1"/>
           <p:cNvSpPr>
             <a:spLocks noChangeAspect="1" noGrp="1" noRot="1"/>
           </p:cNvSpPr>
@@ -698,7 +699,7 @@
       </p:sp>
       <p:sp>
         <p:nvSpPr>
-          <p:cNvPr id="3" name="Notes Placeholder 2"/>
+          <p:cNvPr id="2113926146" name="Notes Placeholder 2"/>
           <p:cNvSpPr>
             <a:spLocks noGrp="1"/>
           </p:cNvSpPr>
@@ -720,7 +721,7 @@
       </p:sp>
       <p:sp>
         <p:nvSpPr>
-          <p:cNvPr id="4" name="Slide Number Placeholder 3"/>
+          <p:cNvPr id="110934476" name="Slide Number Placeholder 3"/>
           <p:cNvSpPr>
             <a:spLocks noGrp="1"/>
           </p:cNvSpPr>
@@ -736,7 +737,7 @@
             <a:pPr>
               <a:defRPr/>
             </a:pPr>
-            <a:fld id="{8255F91B-10D4-8B01-F44B-BBE1D7075F7C}" type="slidenum">
+            <a:fld id="{037E806A-6254-F53D-975E-74F4E2D9B6D4}" type="slidenum">
               <a:rPr/>
               <a:t/>
             </a:fld>
@@ -771,7 +772,7 @@
       </p:grpSpPr>
       <p:sp>
         <p:nvSpPr>
-          <p:cNvPr id="2" name="Slide Image Placeholder 1"/>
+          <p:cNvPr id="768271736" name="Slide Image Placeholder 1"/>
           <p:cNvSpPr>
             <a:spLocks noChangeAspect="1" noGrp="1" noRot="1"/>
           </p:cNvSpPr>
@@ -783,7 +784,7 @@
       </p:sp>
       <p:sp>
         <p:nvSpPr>
-          <p:cNvPr id="3" name="Notes Placeholder 2"/>
+          <p:cNvPr id="957925513" name="Notes Placeholder 2"/>
           <p:cNvSpPr>
             <a:spLocks noGrp="1"/>
           </p:cNvSpPr>
@@ -805,7 +806,7 @@
       </p:sp>
       <p:sp>
         <p:nvSpPr>
-          <p:cNvPr id="4" name="Slide Number Placeholder 3"/>
+          <p:cNvPr id="2033500028" name="Slide Number Placeholder 3"/>
           <p:cNvSpPr>
             <a:spLocks noGrp="1"/>
           </p:cNvSpPr>
@@ -821,7 +822,7 @@
             <a:pPr>
               <a:defRPr/>
             </a:pPr>
-            <a:fld id="{B8765C55-F542-7E7C-1CCA-93E09A1A3680}" type="slidenum">
+            <a:fld id="{8255F91B-10D4-8B01-F44B-BBE1D7075F7C}" type="slidenum">
               <a:rPr/>
               <a:t/>
             </a:fld>
@@ -856,7 +857,7 @@
       </p:grpSpPr>
       <p:sp>
         <p:nvSpPr>
-          <p:cNvPr id="2" name="Slide Image Placeholder 1"/>
+          <p:cNvPr id="1467793431" name="Slide Image Placeholder 1"/>
           <p:cNvSpPr>
             <a:spLocks noChangeAspect="1" noGrp="1" noRot="1"/>
           </p:cNvSpPr>
@@ -868,7 +869,7 @@
       </p:sp>
       <p:sp>
         <p:nvSpPr>
-          <p:cNvPr id="3" name="Notes Placeholder 2"/>
+          <p:cNvPr id="466072734" name="Notes Placeholder 2"/>
           <p:cNvSpPr>
             <a:spLocks noGrp="1"/>
           </p:cNvSpPr>
@@ -884,24 +885,13 @@
             <a:pPr>
               <a:defRPr/>
             </a:pPr>
-            <a:r>
-              <a:rPr lang="en-US" sz="1200" b="0" i="0" u="none" strike="noStrike" cap="none" spc="0">
-                <a:solidFill>
-                  <a:schemeClr val="tx1"/>
-                </a:solidFill>
-                <a:latin typeface="Arial"/>
-                <a:ea typeface="Arial"/>
-                <a:cs typeface="Arial"/>
-              </a:rPr>
-              <a:t>The WPA2 4-way handshake is a secure process where a device and an access point (AP) generate unique session keys, proving they know the Wi-Fi password (PMK) without ever sending it, using random numbers (nonces) and MAC addresses to create temporary Pairwise Transient Keys (PTK) for data encryption</a:t>
-            </a:r>
-            <a:endParaRPr/>
-          </a:p>
-        </p:txBody>
-      </p:sp>
-      <p:sp>
-        <p:nvSpPr>
-          <p:cNvPr id="4" name="Slide Number Placeholder 3"/>
+            <a:endParaRPr/>
+          </a:p>
+        </p:txBody>
+      </p:sp>
+      <p:sp>
+        <p:nvSpPr>
+          <p:cNvPr id="1369761755" name="Slide Number Placeholder 3"/>
           <p:cNvSpPr>
             <a:spLocks noGrp="1"/>
           </p:cNvSpPr>
@@ -917,7 +907,7 @@
             <a:pPr>
               <a:defRPr/>
             </a:pPr>
-            <a:fld id="{8CAB5A91-6E41-8317-7B7B-A6A8B6EEE937}" type="slidenum">
+            <a:fld id="{B8765C55-F542-7E7C-1CCA-93E09A1A3680}" type="slidenum">
               <a:rPr/>
               <a:t/>
             </a:fld>
@@ -952,7 +942,7 @@
       </p:grpSpPr>
       <p:sp>
         <p:nvSpPr>
-          <p:cNvPr id="2" name="Slide Image Placeholder 1"/>
+          <p:cNvPr id="1057962032" name="Slide Image Placeholder 1"/>
           <p:cNvSpPr>
             <a:spLocks noChangeAspect="1" noGrp="1" noRot="1"/>
           </p:cNvSpPr>
@@ -964,7 +954,7 @@
       </p:sp>
       <p:sp>
         <p:nvSpPr>
-          <p:cNvPr id="3" name="Notes Placeholder 2"/>
+          <p:cNvPr id="1655183232" name="Notes Placeholder 2"/>
           <p:cNvSpPr>
             <a:spLocks noGrp="1"/>
           </p:cNvSpPr>
@@ -980,13 +970,109 @@
             <a:pPr>
               <a:defRPr/>
             </a:pPr>
-            <a:endParaRPr/>
-          </a:p>
-        </p:txBody>
-      </p:sp>
-      <p:sp>
-        <p:nvSpPr>
-          <p:cNvPr id="4" name="Slide Number Placeholder 3"/>
+            <a:r>
+              <a:rPr lang="en-US" sz="1200" b="0" i="0" u="none" strike="noStrike" cap="none" spc="0">
+                <a:solidFill>
+                  <a:schemeClr val="tx1"/>
+                </a:solidFill>
+                <a:latin typeface="Arial"/>
+                <a:ea typeface="Arial"/>
+                <a:cs typeface="Arial"/>
+              </a:rPr>
+              <a:t>The WPA2 4-way handshake is a secure process where a device and an access point (AP) generate unique session keys, proving they know the Wi-Fi password (PMK) without ever sending it, using random numbers (nonces) and MAC addresses to create temporary Pairwise Transient Keys (PTK) for data encryption</a:t>
+            </a:r>
+            <a:endParaRPr/>
+          </a:p>
+        </p:txBody>
+      </p:sp>
+      <p:sp>
+        <p:nvSpPr>
+          <p:cNvPr id="644925494" name="Slide Number Placeholder 3"/>
+          <p:cNvSpPr>
+            <a:spLocks noGrp="1"/>
+          </p:cNvSpPr>
+          <p:nvPr>
+            <p:ph type="sldNum" sz="quarter" idx="10"/>
+          </p:nvPr>
+        </p:nvSpPr>
+        <p:spPr bwMode="auto"/>
+        <p:txBody>
+          <a:bodyPr/>
+          <a:lstStyle/>
+          <a:p>
+            <a:pPr>
+              <a:defRPr/>
+            </a:pPr>
+            <a:fld id="{8CAB5A91-6E41-8317-7B7B-A6A8B6EEE937}" type="slidenum">
+              <a:rPr/>
+              <a:t/>
+            </a:fld>
+            <a:endParaRPr/>
+          </a:p>
+        </p:txBody>
+      </p:sp>
+    </p:spTree>
+  </p:cSld>
+  <p:clrMapOvr>
+    <a:masterClrMapping/>
+  </p:clrMapOvr>
+</p:notes>
+</file>
+
+<file path=ppt/notesSlides/notesSlide7.xml><?xml version="1.0" encoding="utf-8"?>
+<p:notes xmlns:a="http://schemas.openxmlformats.org/drawingml/2006/main" xmlns:r="http://schemas.openxmlformats.org/officeDocument/2006/relationships" xmlns:p="http://schemas.openxmlformats.org/presentationml/2006/main" xmlns:m="http://schemas.openxmlformats.org/officeDocument/2006/math" xmlns:w="http://schemas.openxmlformats.org/wordprocessingml/2006/main">
+  <p:cSld name="">
+    <p:spTree>
+      <p:nvGrpSpPr>
+        <p:cNvPr id="1" name=""/>
+        <p:cNvGrpSpPr/>
+        <p:nvPr/>
+      </p:nvGrpSpPr>
+      <p:grpSpPr bwMode="auto">
+        <a:xfrm>
+          <a:off x="0" y="0"/>
+          <a:ext cx="0" cy="0"/>
+          <a:chOff x="0" y="0"/>
+          <a:chExt cx="0" cy="0"/>
+        </a:xfrm>
+      </p:grpSpPr>
+      <p:sp>
+        <p:nvSpPr>
+          <p:cNvPr id="1380172670" name="Slide Image Placeholder 1"/>
+          <p:cNvSpPr>
+            <a:spLocks noChangeAspect="1" noGrp="1" noRot="1"/>
+          </p:cNvSpPr>
+          <p:nvPr>
+            <p:ph type="sldImg"/>
+          </p:nvPr>
+        </p:nvSpPr>
+        <p:spPr bwMode="auto"/>
+      </p:sp>
+      <p:sp>
+        <p:nvSpPr>
+          <p:cNvPr id="1893062324" name="Notes Placeholder 2"/>
+          <p:cNvSpPr>
+            <a:spLocks noGrp="1"/>
+          </p:cNvSpPr>
+          <p:nvPr>
+            <p:ph type="body" idx="1"/>
+          </p:nvPr>
+        </p:nvSpPr>
+        <p:spPr bwMode="auto"/>
+        <p:txBody>
+          <a:bodyPr/>
+          <a:lstStyle/>
+          <a:p>
+            <a:pPr>
+              <a:defRPr/>
+            </a:pPr>
+            <a:endParaRPr/>
+          </a:p>
+        </p:txBody>
+      </p:sp>
+      <p:sp>
+        <p:nvSpPr>
+          <p:cNvPr id="1307447796" name="Slide Number Placeholder 3"/>
           <p:cNvSpPr>
             <a:spLocks noGrp="1"/>
           </p:cNvSpPr>
@@ -1037,7 +1123,7 @@
       </p:grpSpPr>
       <p:sp>
         <p:nvSpPr>
-          <p:cNvPr id="226656774" name="Title 1"/>
+          <p:cNvPr id="1844432750" name="Title 1"/>
           <p:cNvSpPr>
             <a:spLocks noGrp="1"/>
           </p:cNvSpPr>
@@ -1072,7 +1158,7 @@
       </p:sp>
       <p:sp>
         <p:nvSpPr>
-          <p:cNvPr id="659634189" name="Subtitle 2"/>
+          <p:cNvPr id="1084434694" name="Subtitle 2"/>
           <p:cNvSpPr>
             <a:spLocks noGrp="1"/>
           </p:cNvSpPr>
@@ -1140,7 +1226,7 @@
       </p:sp>
       <p:sp>
         <p:nvSpPr>
-          <p:cNvPr id="1063508400" name="Date Placeholder 3"/>
+          <p:cNvPr id="1635635791" name="Date Placeholder 3"/>
           <p:cNvSpPr>
             <a:spLocks noGrp="1"/>
           </p:cNvSpPr>
@@ -1166,7 +1252,7 @@
       </p:sp>
       <p:sp>
         <p:nvSpPr>
-          <p:cNvPr id="1872330142" name="Footer Placeholder 4"/>
+          <p:cNvPr id="880147724" name="Footer Placeholder 4"/>
           <p:cNvSpPr>
             <a:spLocks noGrp="1"/>
           </p:cNvSpPr>
@@ -1188,7 +1274,7 @@
       </p:sp>
       <p:sp>
         <p:nvSpPr>
-          <p:cNvPr id="232748843" name="Slide Number Placeholder 5"/>
+          <p:cNvPr id="1681622317" name="Slide Number Placeholder 5"/>
           <p:cNvSpPr>
             <a:spLocks noGrp="1"/>
           </p:cNvSpPr>
@@ -1239,7 +1325,7 @@
       </p:grpSpPr>
       <p:sp>
         <p:nvSpPr>
-          <p:cNvPr id="2022209668" name="Title 1"/>
+          <p:cNvPr id="1900430338" name="Title 1"/>
           <p:cNvSpPr>
             <a:spLocks noGrp="1"/>
           </p:cNvSpPr>
@@ -1265,7 +1351,7 @@
       </p:sp>
       <p:sp>
         <p:nvSpPr>
-          <p:cNvPr id="268836016" name="Vertical Text Placeholder 2"/>
+          <p:cNvPr id="1917545123" name="Vertical Text Placeholder 2"/>
           <p:cNvSpPr>
             <a:spLocks noGrp="1"/>
           </p:cNvSpPr>
@@ -1331,7 +1417,7 @@
       </p:sp>
       <p:sp>
         <p:nvSpPr>
-          <p:cNvPr id="733769723" name="Date Placeholder 3"/>
+          <p:cNvPr id="1724868842" name="Date Placeholder 3"/>
           <p:cNvSpPr>
             <a:spLocks noGrp="1"/>
           </p:cNvSpPr>
@@ -1357,7 +1443,7 @@
       </p:sp>
       <p:sp>
         <p:nvSpPr>
-          <p:cNvPr id="1398515036" name="Footer Placeholder 4"/>
+          <p:cNvPr id="89904433" name="Footer Placeholder 4"/>
           <p:cNvSpPr>
             <a:spLocks noGrp="1"/>
           </p:cNvSpPr>
@@ -1379,7 +1465,7 @@
       </p:sp>
       <p:sp>
         <p:nvSpPr>
-          <p:cNvPr id="562343136" name="Slide Number Placeholder 5"/>
+          <p:cNvPr id="1618616780" name="Slide Number Placeholder 5"/>
           <p:cNvSpPr>
             <a:spLocks noGrp="1"/>
           </p:cNvSpPr>
@@ -1430,7 +1516,7 @@
       </p:grpSpPr>
       <p:sp>
         <p:nvSpPr>
-          <p:cNvPr id="1083849207" name="Vertical Title 1"/>
+          <p:cNvPr id="1500025263" name="Vertical Title 1"/>
           <p:cNvSpPr>
             <a:spLocks noGrp="1"/>
           </p:cNvSpPr>
@@ -1461,7 +1547,7 @@
       </p:sp>
       <p:sp>
         <p:nvSpPr>
-          <p:cNvPr id="285695705" name="Vertical Text Placeholder 2"/>
+          <p:cNvPr id="1594623805" name="Vertical Text Placeholder 2"/>
           <p:cNvSpPr>
             <a:spLocks noGrp="1"/>
           </p:cNvSpPr>
@@ -1471,7 +1557,7 @@
         </p:nvSpPr>
         <p:spPr bwMode="auto">
           <a:xfrm>
-            <a:off x="838199" y="365125"/>
+            <a:off x="838198" y="365125"/>
             <a:ext cx="7734299" cy="5811838"/>
           </a:xfrm>
         </p:spPr>
@@ -1532,7 +1618,7 @@
       </p:sp>
       <p:sp>
         <p:nvSpPr>
-          <p:cNvPr id="1162908030" name="Date Placeholder 3"/>
+          <p:cNvPr id="594895431" name="Date Placeholder 3"/>
           <p:cNvSpPr>
             <a:spLocks noGrp="1"/>
           </p:cNvSpPr>
@@ -1558,7 +1644,7 @@
       </p:sp>
       <p:sp>
         <p:nvSpPr>
-          <p:cNvPr id="1637184644" name="Footer Placeholder 4"/>
+          <p:cNvPr id="943029459" name="Footer Placeholder 4"/>
           <p:cNvSpPr>
             <a:spLocks noGrp="1"/>
           </p:cNvSpPr>
@@ -1580,7 +1666,7 @@
       </p:sp>
       <p:sp>
         <p:nvSpPr>
-          <p:cNvPr id="1103733643" name="Slide Number Placeholder 5"/>
+          <p:cNvPr id="1258450719" name="Slide Number Placeholder 5"/>
           <p:cNvSpPr>
             <a:spLocks noGrp="1"/>
           </p:cNvSpPr>
@@ -1631,7 +1717,7 @@
       </p:grpSpPr>
       <p:sp>
         <p:nvSpPr>
-          <p:cNvPr id="552738975" name="Title 1"/>
+          <p:cNvPr id="582004718" name="Title 1"/>
           <p:cNvSpPr>
             <a:spLocks noGrp="1"/>
           </p:cNvSpPr>
@@ -1657,7 +1743,7 @@
       </p:sp>
       <p:sp>
         <p:nvSpPr>
-          <p:cNvPr id="2008140599" name="Content Placeholder 2"/>
+          <p:cNvPr id="1605243691" name="Content Placeholder 2"/>
           <p:cNvSpPr>
             <a:spLocks noGrp="1"/>
           </p:cNvSpPr>
@@ -1723,7 +1809,7 @@
       </p:sp>
       <p:sp>
         <p:nvSpPr>
-          <p:cNvPr id="1805792568" name="Date Placeholder 3"/>
+          <p:cNvPr id="1711158470" name="Date Placeholder 3"/>
           <p:cNvSpPr>
             <a:spLocks noGrp="1"/>
           </p:cNvSpPr>
@@ -1749,7 +1835,7 @@
       </p:sp>
       <p:sp>
         <p:nvSpPr>
-          <p:cNvPr id="284236356" name="Footer Placeholder 4"/>
+          <p:cNvPr id="465948074" name="Footer Placeholder 4"/>
           <p:cNvSpPr>
             <a:spLocks noGrp="1"/>
           </p:cNvSpPr>
@@ -1771,7 +1857,7 @@
       </p:sp>
       <p:sp>
         <p:nvSpPr>
-          <p:cNvPr id="1714264521" name="Slide Number Placeholder 5"/>
+          <p:cNvPr id="170054988" name="Slide Number Placeholder 5"/>
           <p:cNvSpPr>
             <a:spLocks noGrp="1"/>
           </p:cNvSpPr>
@@ -1822,7 +1908,7 @@
       </p:grpSpPr>
       <p:sp>
         <p:nvSpPr>
-          <p:cNvPr id="996756001" name="Title 1"/>
+          <p:cNvPr id="383796080" name="Title 1"/>
           <p:cNvSpPr>
             <a:spLocks noGrp="1"/>
           </p:cNvSpPr>
@@ -1857,7 +1943,7 @@
       </p:sp>
       <p:sp>
         <p:nvSpPr>
-          <p:cNvPr id="1913622181" name="Text Placeholder 2"/>
+          <p:cNvPr id="1810694856" name="Text Placeholder 2"/>
           <p:cNvSpPr>
             <a:spLocks noGrp="1"/>
           </p:cNvSpPr>
@@ -1979,7 +2065,7 @@
       </p:sp>
       <p:sp>
         <p:nvSpPr>
-          <p:cNvPr id="244606230" name="Date Placeholder 3"/>
+          <p:cNvPr id="2526176" name="Date Placeholder 3"/>
           <p:cNvSpPr>
             <a:spLocks noGrp="1"/>
           </p:cNvSpPr>
@@ -2005,7 +2091,7 @@
       </p:sp>
       <p:sp>
         <p:nvSpPr>
-          <p:cNvPr id="683256578" name="Footer Placeholder 4"/>
+          <p:cNvPr id="1530623768" name="Footer Placeholder 4"/>
           <p:cNvSpPr>
             <a:spLocks noGrp="1"/>
           </p:cNvSpPr>
@@ -2027,7 +2113,7 @@
       </p:sp>
       <p:sp>
         <p:nvSpPr>
-          <p:cNvPr id="747463590" name="Slide Number Placeholder 5"/>
+          <p:cNvPr id="1796610427" name="Slide Number Placeholder 5"/>
           <p:cNvSpPr>
             <a:spLocks noGrp="1"/>
           </p:cNvSpPr>
@@ -2078,7 +2164,7 @@
       </p:grpSpPr>
       <p:sp>
         <p:nvSpPr>
-          <p:cNvPr id="1400821848" name="Title 1"/>
+          <p:cNvPr id="644029767" name="Title 1"/>
           <p:cNvSpPr>
             <a:spLocks noGrp="1"/>
           </p:cNvSpPr>
@@ -2104,7 +2190,7 @@
       </p:sp>
       <p:sp>
         <p:nvSpPr>
-          <p:cNvPr id="1665547999" name="Content Placeholder 2"/>
+          <p:cNvPr id="663567688" name="Content Placeholder 2"/>
           <p:cNvSpPr>
             <a:spLocks noGrp="1"/>
           </p:cNvSpPr>
@@ -2114,7 +2200,7 @@
         </p:nvSpPr>
         <p:spPr bwMode="auto">
           <a:xfrm>
-            <a:off x="838199" y="1825625"/>
+            <a:off x="838198" y="1825625"/>
             <a:ext cx="5181599" cy="4351338"/>
           </a:xfrm>
         </p:spPr>
@@ -2175,7 +2261,7 @@
       </p:sp>
       <p:sp>
         <p:nvSpPr>
-          <p:cNvPr id="988170911" name="Content Placeholder 3"/>
+          <p:cNvPr id="1056409123" name="Content Placeholder 3"/>
           <p:cNvSpPr>
             <a:spLocks noGrp="1"/>
           </p:cNvSpPr>
@@ -2246,7 +2332,7 @@
       </p:sp>
       <p:sp>
         <p:nvSpPr>
-          <p:cNvPr id="1210890048" name="Date Placeholder 4"/>
+          <p:cNvPr id="1065283256" name="Date Placeholder 4"/>
           <p:cNvSpPr>
             <a:spLocks noGrp="1"/>
           </p:cNvSpPr>
@@ -2272,7 +2358,7 @@
       </p:sp>
       <p:sp>
         <p:nvSpPr>
-          <p:cNvPr id="970373401" name="Footer Placeholder 5"/>
+          <p:cNvPr id="1302265661" name="Footer Placeholder 5"/>
           <p:cNvSpPr>
             <a:spLocks noGrp="1"/>
           </p:cNvSpPr>
@@ -2294,7 +2380,7 @@
       </p:sp>
       <p:sp>
         <p:nvSpPr>
-          <p:cNvPr id="2078680907" name="Slide Number Placeholder 6"/>
+          <p:cNvPr id="1853513788" name="Slide Number Placeholder 6"/>
           <p:cNvSpPr>
             <a:spLocks noGrp="1"/>
           </p:cNvSpPr>
@@ -2345,7 +2431,7 @@
       </p:grpSpPr>
       <p:sp>
         <p:nvSpPr>
-          <p:cNvPr id="1982862428" name="Title 1"/>
+          <p:cNvPr id="987272316" name="Title 1"/>
           <p:cNvSpPr>
             <a:spLocks noGrp="1"/>
           </p:cNvSpPr>
@@ -2376,7 +2462,7 @@
       </p:sp>
       <p:sp>
         <p:nvSpPr>
-          <p:cNvPr id="1472684526" name="Text Placeholder 2"/>
+          <p:cNvPr id="54038139" name="Text Placeholder 2"/>
           <p:cNvSpPr>
             <a:spLocks noGrp="1"/>
           </p:cNvSpPr>
@@ -2387,7 +2473,7 @@
         <p:spPr bwMode="auto">
           <a:xfrm>
             <a:off x="839789" y="1681162"/>
-            <a:ext cx="5157786" cy="823911"/>
+            <a:ext cx="5157785" cy="823911"/>
           </a:xfrm>
         </p:spPr>
         <p:txBody>
@@ -2444,7 +2530,7 @@
       </p:sp>
       <p:sp>
         <p:nvSpPr>
-          <p:cNvPr id="2033178994" name="Content Placeholder 3"/>
+          <p:cNvPr id="1104363984" name="Content Placeholder 3"/>
           <p:cNvSpPr>
             <a:spLocks noGrp="1"/>
           </p:cNvSpPr>
@@ -2455,7 +2541,7 @@
         <p:spPr bwMode="auto">
           <a:xfrm>
             <a:off x="839789" y="2505074"/>
-            <a:ext cx="5157786" cy="3684587"/>
+            <a:ext cx="5157785" cy="3684587"/>
           </a:xfrm>
         </p:spPr>
         <p:txBody>
@@ -2515,7 +2601,7 @@
       </p:sp>
       <p:sp>
         <p:nvSpPr>
-          <p:cNvPr id="1757673698" name="Text Placeholder 4"/>
+          <p:cNvPr id="119926654" name="Text Placeholder 4"/>
           <p:cNvSpPr>
             <a:spLocks noGrp="1"/>
           </p:cNvSpPr>
@@ -2583,7 +2669,7 @@
       </p:sp>
       <p:sp>
         <p:nvSpPr>
-          <p:cNvPr id="795320945" name="Content Placeholder 5"/>
+          <p:cNvPr id="1385445447" name="Content Placeholder 5"/>
           <p:cNvSpPr>
             <a:spLocks noGrp="1"/>
           </p:cNvSpPr>
@@ -2654,7 +2740,7 @@
       </p:sp>
       <p:sp>
         <p:nvSpPr>
-          <p:cNvPr id="774860293" name="Date Placeholder 6"/>
+          <p:cNvPr id="1235332625" name="Date Placeholder 6"/>
           <p:cNvSpPr>
             <a:spLocks noGrp="1"/>
           </p:cNvSpPr>
@@ -2680,7 +2766,7 @@
       </p:sp>
       <p:sp>
         <p:nvSpPr>
-          <p:cNvPr id="2032984514" name="Footer Placeholder 7"/>
+          <p:cNvPr id="1208424438" name="Footer Placeholder 7"/>
           <p:cNvSpPr>
             <a:spLocks noGrp="1"/>
           </p:cNvSpPr>
@@ -2702,7 +2788,7 @@
       </p:sp>
       <p:sp>
         <p:nvSpPr>
-          <p:cNvPr id="1829319311" name="Slide Number Placeholder 8"/>
+          <p:cNvPr id="752447422" name="Slide Number Placeholder 8"/>
           <p:cNvSpPr>
             <a:spLocks noGrp="1"/>
           </p:cNvSpPr>
@@ -2753,7 +2839,7 @@
       </p:grpSpPr>
       <p:sp>
         <p:nvSpPr>
-          <p:cNvPr id="2087230141" name="Title 1"/>
+          <p:cNvPr id="1522140904" name="Title 1"/>
           <p:cNvSpPr>
             <a:spLocks noGrp="1"/>
           </p:cNvSpPr>
@@ -2779,7 +2865,7 @@
       </p:sp>
       <p:sp>
         <p:nvSpPr>
-          <p:cNvPr id="2089256888" name="Date Placeholder 2"/>
+          <p:cNvPr id="2024288660" name="Date Placeholder 2"/>
           <p:cNvSpPr>
             <a:spLocks noGrp="1"/>
           </p:cNvSpPr>
@@ -2805,7 +2891,7 @@
       </p:sp>
       <p:sp>
         <p:nvSpPr>
-          <p:cNvPr id="144345499" name="Footer Placeholder 3"/>
+          <p:cNvPr id="882424510" name="Footer Placeholder 3"/>
           <p:cNvSpPr>
             <a:spLocks noGrp="1"/>
           </p:cNvSpPr>
@@ -2827,7 +2913,7 @@
       </p:sp>
       <p:sp>
         <p:nvSpPr>
-          <p:cNvPr id="837099241" name="Slide Number Placeholder 4"/>
+          <p:cNvPr id="158879093" name="Slide Number Placeholder 4"/>
           <p:cNvSpPr>
             <a:spLocks noGrp="1"/>
           </p:cNvSpPr>
@@ -2878,7 +2964,7 @@
       </p:grpSpPr>
       <p:sp>
         <p:nvSpPr>
-          <p:cNvPr id="1943690650" name="Date Placeholder 1"/>
+          <p:cNvPr id="1867945790" name="Date Placeholder 1"/>
           <p:cNvSpPr>
             <a:spLocks noGrp="1"/>
           </p:cNvSpPr>
@@ -2904,7 +2990,7 @@
       </p:sp>
       <p:sp>
         <p:nvSpPr>
-          <p:cNvPr id="76761918" name="Footer Placeholder 2"/>
+          <p:cNvPr id="174481930" name="Footer Placeholder 2"/>
           <p:cNvSpPr>
             <a:spLocks noGrp="1"/>
           </p:cNvSpPr>
@@ -2926,7 +3012,7 @@
       </p:sp>
       <p:sp>
         <p:nvSpPr>
-          <p:cNvPr id="1770796598" name="Slide Number Placeholder 3"/>
+          <p:cNvPr id="1049945866" name="Slide Number Placeholder 3"/>
           <p:cNvSpPr>
             <a:spLocks noGrp="1"/>
           </p:cNvSpPr>
@@ -2977,7 +3063,7 @@
       </p:grpSpPr>
       <p:sp>
         <p:nvSpPr>
-          <p:cNvPr id="1052301677" name="Title 1"/>
+          <p:cNvPr id="226987323" name="Title 1"/>
           <p:cNvSpPr>
             <a:spLocks noGrp="1"/>
           </p:cNvSpPr>
@@ -3012,7 +3098,7 @@
       </p:sp>
       <p:sp>
         <p:nvSpPr>
-          <p:cNvPr id="1690480494" name="Content Placeholder 2"/>
+          <p:cNvPr id="1649746253" name="Content Placeholder 2"/>
           <p:cNvSpPr>
             <a:spLocks noGrp="1"/>
           </p:cNvSpPr>
@@ -3111,7 +3197,7 @@
       </p:sp>
       <p:sp>
         <p:nvSpPr>
-          <p:cNvPr id="1929809884" name="Text Placeholder 3"/>
+          <p:cNvPr id="1251386567" name="Text Placeholder 3"/>
           <p:cNvSpPr>
             <a:spLocks noGrp="1"/>
           </p:cNvSpPr>
@@ -3179,7 +3265,7 @@
       </p:sp>
       <p:sp>
         <p:nvSpPr>
-          <p:cNvPr id="98168580" name="Date Placeholder 4"/>
+          <p:cNvPr id="1020565729" name="Date Placeholder 4"/>
           <p:cNvSpPr>
             <a:spLocks noGrp="1"/>
           </p:cNvSpPr>
@@ -3205,7 +3291,7 @@
       </p:sp>
       <p:sp>
         <p:nvSpPr>
-          <p:cNvPr id="1492045173" name="Footer Placeholder 5"/>
+          <p:cNvPr id="1938911846" name="Footer Placeholder 5"/>
           <p:cNvSpPr>
             <a:spLocks noGrp="1"/>
           </p:cNvSpPr>
@@ -3227,7 +3313,7 @@
       </p:sp>
       <p:sp>
         <p:nvSpPr>
-          <p:cNvPr id="467924751" name="Slide Number Placeholder 6"/>
+          <p:cNvPr id="805892758" name="Slide Number Placeholder 6"/>
           <p:cNvSpPr>
             <a:spLocks noGrp="1"/>
           </p:cNvSpPr>
@@ -3278,7 +3364,7 @@
       </p:grpSpPr>
       <p:sp>
         <p:nvSpPr>
-          <p:cNvPr id="855692182" name="Title 1"/>
+          <p:cNvPr id="2046289099" name="Title 1"/>
           <p:cNvSpPr>
             <a:spLocks noGrp="1"/>
           </p:cNvSpPr>
@@ -3313,7 +3399,7 @@
       </p:sp>
       <p:sp>
         <p:nvSpPr>
-          <p:cNvPr id="448150496" name="Picture Placeholder 2"/>
+          <p:cNvPr id="1292739686" name="Picture Placeholder 2"/>
           <p:cNvSpPr>
             <a:spLocks noChangeAspect="1" noGrp="1"/>
           </p:cNvSpPr>
@@ -3381,7 +3467,7 @@
       </p:sp>
       <p:sp>
         <p:nvSpPr>
-          <p:cNvPr id="753804631" name="Text Placeholder 3"/>
+          <p:cNvPr id="1358980219" name="Text Placeholder 3"/>
           <p:cNvSpPr>
             <a:spLocks noGrp="1"/>
           </p:cNvSpPr>
@@ -3449,7 +3535,7 @@
       </p:sp>
       <p:sp>
         <p:nvSpPr>
-          <p:cNvPr id="945695656" name="Date Placeholder 4"/>
+          <p:cNvPr id="1728994142" name="Date Placeholder 4"/>
           <p:cNvSpPr>
             <a:spLocks noGrp="1"/>
           </p:cNvSpPr>
@@ -3475,7 +3561,7 @@
       </p:sp>
       <p:sp>
         <p:nvSpPr>
-          <p:cNvPr id="1528327641" name="Footer Placeholder 5"/>
+          <p:cNvPr id="1124317278" name="Footer Placeholder 5"/>
           <p:cNvSpPr>
             <a:spLocks noGrp="1"/>
           </p:cNvSpPr>
@@ -3497,7 +3583,7 @@
       </p:sp>
       <p:sp>
         <p:nvSpPr>
-          <p:cNvPr id="1716497758" name="Slide Number Placeholder 6"/>
+          <p:cNvPr id="922900227" name="Slide Number Placeholder 6"/>
           <p:cNvSpPr>
             <a:spLocks noGrp="1"/>
           </p:cNvSpPr>
@@ -3555,7 +3641,7 @@
       </p:grpSpPr>
       <p:sp>
         <p:nvSpPr>
-          <p:cNvPr id="865263138" name="Title Placeholder 1"/>
+          <p:cNvPr id="1915490321" name="Title Placeholder 1"/>
           <p:cNvSpPr>
             <a:spLocks noGrp="1"/>
           </p:cNvSpPr>
@@ -3565,7 +3651,7 @@
         </p:nvSpPr>
         <p:spPr bwMode="auto">
           <a:xfrm>
-            <a:off x="838199" y="365125"/>
+            <a:off x="838198" y="365125"/>
             <a:ext cx="10515600" cy="1325562"/>
           </a:xfrm>
           <a:prstGeom prst="rect">
@@ -3591,7 +3677,7 @@
       </p:sp>
       <p:sp>
         <p:nvSpPr>
-          <p:cNvPr id="1014248579" name="Text Placeholder 2"/>
+          <p:cNvPr id="1034383589" name="Text Placeholder 2"/>
           <p:cNvSpPr>
             <a:spLocks noGrp="1"/>
           </p:cNvSpPr>
@@ -3601,7 +3687,7 @@
         </p:nvSpPr>
         <p:spPr bwMode="auto">
           <a:xfrm>
-            <a:off x="838199" y="1825625"/>
+            <a:off x="838198" y="1825625"/>
             <a:ext cx="10515600" cy="4351338"/>
           </a:xfrm>
           <a:prstGeom prst="rect">
@@ -3667,7 +3753,7 @@
       </p:sp>
       <p:sp>
         <p:nvSpPr>
-          <p:cNvPr id="604570811" name="Date Placeholder 3"/>
+          <p:cNvPr id="1165802727" name="Date Placeholder 3"/>
           <p:cNvSpPr>
             <a:spLocks noGrp="1"/>
           </p:cNvSpPr>
@@ -3677,7 +3763,7 @@
         </p:nvSpPr>
         <p:spPr bwMode="auto">
           <a:xfrm>
-            <a:off x="838199" y="6356350"/>
+            <a:off x="838198" y="6356350"/>
             <a:ext cx="2743200" cy="365125"/>
           </a:xfrm>
           <a:prstGeom prst="rect">
@@ -3711,7 +3797,7 @@
       </p:sp>
       <p:sp>
         <p:nvSpPr>
-          <p:cNvPr id="1827815187" name="Footer Placeholder 4"/>
+          <p:cNvPr id="107747169" name="Footer Placeholder 4"/>
           <p:cNvSpPr>
             <a:spLocks noGrp="1"/>
           </p:cNvSpPr>
@@ -3721,7 +3807,7 @@
         </p:nvSpPr>
         <p:spPr bwMode="auto">
           <a:xfrm>
-            <a:off x="4038599" y="6356350"/>
+            <a:off x="4038598" y="6356350"/>
             <a:ext cx="4114800" cy="365125"/>
           </a:xfrm>
           <a:prstGeom prst="rect">
@@ -3751,7 +3837,7 @@
       </p:sp>
       <p:sp>
         <p:nvSpPr>
-          <p:cNvPr id="261434851" name="Slide Number Placeholder 5"/>
+          <p:cNvPr id="637059439" name="Slide Number Placeholder 5"/>
           <p:cNvSpPr>
             <a:spLocks noGrp="1"/>
           </p:cNvSpPr>
@@ -4111,7 +4197,7 @@
       </p:grpSpPr>
       <p:sp>
         <p:nvSpPr>
-          <p:cNvPr id="2079646512" name="Title 1"/>
+          <p:cNvPr id="72169951" name="Title 1"/>
           <p:cNvSpPr>
             <a:spLocks noGrp="1"/>
           </p:cNvSpPr>
@@ -4119,12 +4205,7 @@
             <p:ph type="ctrTitle"/>
           </p:nvPr>
         </p:nvSpPr>
-        <p:spPr bwMode="auto">
-          <a:xfrm flipH="0" flipV="0">
-            <a:off x="3153276" y="1041399"/>
-            <a:ext cx="8555013" cy="2387599"/>
-          </a:xfrm>
-        </p:spPr>
+        <p:spPr bwMode="auto"/>
         <p:txBody>
           <a:bodyPr vertOverflow="overflow" horzOverflow="overflow" vert="horz" wrap="square" lIns="91440" tIns="45720" rIns="91440" bIns="45720" numCol="1" spcCol="0" rtlCol="0" fromWordArt="0" anchor="b" anchorCtr="0" forceAA="0" upright="0" compatLnSpc="0">
             <a:normAutofit fontScale="95000" lnSpcReduction="1000"/>
@@ -4155,7 +4236,7 @@
       </p:sp>
       <p:sp>
         <p:nvSpPr>
-          <p:cNvPr id="891443612" name="Subtitle 2"/>
+          <p:cNvPr id="1152283315" name="Subtitle 2"/>
           <p:cNvSpPr>
             <a:spLocks noGrp="1"/>
           </p:cNvSpPr>
@@ -4163,12 +4244,7 @@
             <p:ph type="subTitle" idx="1"/>
           </p:nvPr>
         </p:nvSpPr>
-        <p:spPr bwMode="auto">
-          <a:xfrm>
-            <a:off x="3002881" y="3602037"/>
-            <a:ext cx="9144000" cy="1655762"/>
-          </a:xfrm>
-        </p:spPr>
+        <p:spPr bwMode="auto"/>
         <p:txBody>
           <a:bodyPr vertOverflow="overflow" horzOverflow="overflow" vert="horz" wrap="square" lIns="91440" tIns="45720" rIns="91440" bIns="45720" numCol="1" spcCol="0" rtlCol="0" fromWordArt="0" anchor="t" anchorCtr="0" forceAA="0" upright="0" compatLnSpc="0">
             <a:normAutofit fontScale="90000" lnSpcReduction="2000"/>
@@ -4187,7 +4263,7 @@
                 <a:ea typeface="Arial"/>
                 <a:cs typeface="Arial"/>
               </a:rPr>
-              <a:t>Advanced Kali Linux WiFi Hacking Tutorial</a:t>
+              <a:t>WiFi Hacking Tutorial</a:t>
             </a:r>
             <a:endParaRPr sz="2400" b="0" i="0" u="none" strike="noStrike" cap="none" spc="0">
               <a:solidFill>
@@ -4255,28 +4331,6 @@
           </a:p>
         </p:txBody>
       </p:sp>
-      <p:pic>
-        <p:nvPicPr>
-          <p:cNvPr id="1039612592" name=""/>
-          <p:cNvPicPr>
-            <a:picLocks noChangeAspect="1"/>
-          </p:cNvPicPr>
-          <p:nvPr/>
-        </p:nvPicPr>
-        <p:blipFill rotWithShape="1">
-          <a:blip r:embed="rId3"/>
-          <a:stretch/>
-        </p:blipFill>
-        <p:spPr bwMode="auto">
-          <a:xfrm>
-            <a:off x="244391" y="1225716"/>
-            <a:ext cx="2809874" cy="2800349"/>
-          </a:xfrm>
-          <a:prstGeom prst="rect">
-            <a:avLst/>
-          </a:prstGeom>
-        </p:spPr>
-      </p:pic>
     </p:spTree>
   </p:cSld>
   <p:clrMapOvr>
@@ -4312,24 +4366,109 @@
       </p:grpSpPr>
       <p:sp>
         <p:nvSpPr>
-          <p:cNvPr id="488758265" name="Title 1"/>
-          <p:cNvSpPr>
-            <a:spLocks noGrp="1"/>
-          </p:cNvSpPr>
-          <p:nvPr>
-            <p:ph type="title"/>
-          </p:nvPr>
-        </p:nvSpPr>
-        <p:spPr bwMode="auto"/>
-        <p:txBody>
-          <a:bodyPr/>
-          <a:lstStyle/>
-          <a:p>
-            <a:pPr>
-              <a:defRPr/>
-            </a:pPr>
-            <a:r>
-              <a:rPr lang="en-US" sz="4400" b="1" i="0" u="none" strike="noStrike" cap="none" spc="0">
+          <p:cNvPr id="771787169" name="Title 1"/>
+          <p:cNvSpPr>
+            <a:spLocks noGrp="1"/>
+          </p:cNvSpPr>
+          <p:nvPr>
+            <p:ph type="ctrTitle"/>
+          </p:nvPr>
+        </p:nvSpPr>
+        <p:spPr bwMode="auto">
+          <a:xfrm>
+            <a:off x="1398669" y="1924467"/>
+            <a:ext cx="9144000" cy="2387598"/>
+          </a:xfrm>
+        </p:spPr>
+        <p:txBody>
+          <a:bodyPr/>
+          <a:lstStyle>
+            <a:lvl1pPr algn="ctr">
+              <a:defRPr sz="4500"/>
+            </a:lvl1pPr>
+          </a:lstStyle>
+          <a:p>
+            <a:pPr>
+              <a:defRPr/>
+            </a:pPr>
+            <a:r>
+              <a:rPr>
+                <a:solidFill>
+                  <a:schemeClr val="bg1"/>
+                </a:solidFill>
+              </a:rPr>
+              <a:t>whoami</a:t>
+            </a:r>
+            <a:endParaRPr>
+              <a:solidFill>
+                <a:schemeClr val="bg1"/>
+              </a:solidFill>
+            </a:endParaRPr>
+          </a:p>
+        </p:txBody>
+      </p:sp>
+      <p:sp>
+        <p:nvSpPr>
+          <p:cNvPr id="1276517257" name="Subtitle 2"/>
+          <p:cNvSpPr>
+            <a:spLocks noGrp="1"/>
+          </p:cNvSpPr>
+          <p:nvPr>
+            <p:ph type="subTitle" idx="1"/>
+          </p:nvPr>
+        </p:nvSpPr>
+        <p:spPr bwMode="auto">
+          <a:xfrm>
+            <a:off x="1473867" y="4429917"/>
+            <a:ext cx="9144000" cy="1655761"/>
+          </a:xfrm>
+        </p:spPr>
+        <p:txBody>
+          <a:bodyPr/>
+          <a:lstStyle>
+            <a:lvl1pPr marL="0" indent="0" algn="ctr">
+              <a:buNone/>
+              <a:defRPr sz="1800"/>
+            </a:lvl1pPr>
+            <a:lvl2pPr marL="342900" indent="0" algn="ctr">
+              <a:buNone/>
+              <a:defRPr sz="1500"/>
+            </a:lvl2pPr>
+            <a:lvl3pPr marL="685800" indent="0" algn="ctr">
+              <a:buNone/>
+              <a:defRPr sz="1350"/>
+            </a:lvl3pPr>
+            <a:lvl4pPr marL="1028700" indent="0" algn="ctr">
+              <a:buNone/>
+              <a:defRPr sz="1200"/>
+            </a:lvl4pPr>
+            <a:lvl5pPr marL="1371600" indent="0" algn="ctr">
+              <a:buNone/>
+              <a:defRPr sz="1200"/>
+            </a:lvl5pPr>
+            <a:lvl6pPr marL="1714500" indent="0" algn="ctr">
+              <a:buNone/>
+              <a:defRPr sz="1200"/>
+            </a:lvl6pPr>
+            <a:lvl7pPr marL="2057400" indent="0" algn="ctr">
+              <a:buNone/>
+              <a:defRPr sz="1200"/>
+            </a:lvl7pPr>
+            <a:lvl8pPr marL="2400300" indent="0" algn="ctr">
+              <a:buNone/>
+              <a:defRPr sz="1200"/>
+            </a:lvl8pPr>
+            <a:lvl9pPr marL="2743200" indent="0" algn="ctr">
+              <a:buNone/>
+              <a:defRPr sz="1200"/>
+            </a:lvl9pPr>
+          </a:lstStyle>
+          <a:p>
+            <a:pPr>
+              <a:defRPr/>
+            </a:pPr>
+            <a:r>
+              <a:rPr lang="en-US" sz="1800" b="0" i="0" u="none" strike="noStrike" cap="none" spc="0">
                 <a:solidFill>
                   <a:schemeClr val="bg1"/>
                 </a:solidFill>
@@ -4337,38 +4476,22 @@
                 <a:ea typeface="Arial"/>
                 <a:cs typeface="Arial"/>
               </a:rPr>
-              <a:t>Why Understanding Protocols Matters</a:t>
-            </a:r>
-            <a:endParaRPr>
+              <a:t>$ echo “Hello World!” &gt;&gt; Hello.txt ; cat Hello.txt</a:t>
+            </a:r>
+            <a:endParaRPr lang="en-US" sz="1800" b="0" i="0" u="none" strike="noStrike" cap="none" spc="0">
               <a:solidFill>
                 <a:schemeClr val="bg1"/>
               </a:solidFill>
+              <a:latin typeface="Arial"/>
+              <a:cs typeface="Arial"/>
             </a:endParaRPr>
           </a:p>
-        </p:txBody>
-      </p:sp>
-      <p:sp>
-        <p:nvSpPr>
-          <p:cNvPr id="1606721824" name="Content Placeholder 2"/>
-          <p:cNvSpPr>
-            <a:spLocks noGrp="1"/>
-          </p:cNvSpPr>
-          <p:nvPr>
-            <p:ph idx="1"/>
-          </p:nvPr>
-        </p:nvSpPr>
-        <p:spPr bwMode="auto"/>
-        <p:txBody>
-          <a:bodyPr vertOverflow="overflow" horzOverflow="overflow" vert="horz" wrap="square" lIns="91440" tIns="45720" rIns="91440" bIns="45720" numCol="1" spcCol="0" rtlCol="0" fromWordArt="0" anchor="t" anchorCtr="0" forceAA="0" upright="0" compatLnSpc="0">
-            <a:normAutofit fontScale="75000" lnSpcReduction="5000"/>
-          </a:bodyPr>
-          <a:lstStyle/>
-          <a:p>
-            <a:pPr>
-              <a:defRPr/>
-            </a:pPr>
-            <a:r>
-              <a:rPr lang="en-US" sz="3200" b="0" i="0" u="none" strike="noStrike" cap="none" spc="0">
+          <a:p>
+            <a:pPr>
+              <a:defRPr/>
+            </a:pPr>
+            <a:r>
+              <a:rPr lang="en-US" sz="1800" b="0" i="0" u="none" strike="noStrike" cap="none" spc="0">
                 <a:solidFill>
                   <a:schemeClr val="bg1"/>
                 </a:solidFill>
@@ -4376,9 +4499,9 @@
                 <a:ea typeface="Arial"/>
                 <a:cs typeface="Arial"/>
               </a:rPr>
-              <a:t>This Isn't Academic—It's Tactical</a:t>
-            </a:r>
-            <a:endParaRPr sz="3200" b="0" i="0" u="none" strike="noStrike" cap="none" spc="0">
+              <a:t>#Former Olympic swimmer turned IT nerd | I read technical manuals of instruction in my spare time (in the terminal of #course). | Capture the Flag enthusiast | Family world-travel &amp; digital-nomad | Rock/Reggae/Metal Lover.</a:t>
+            </a:r>
+            <a:endParaRPr lang="en-US" sz="1800" b="0" i="0" u="none" strike="noStrike" cap="none" spc="0">
               <a:solidFill>
                 <a:schemeClr val="bg1"/>
               </a:solidFill>
@@ -4390,20 +4513,8 @@
             <a:pPr>
               <a:defRPr/>
             </a:pPr>
-            <a:endParaRPr sz="3200" b="0" i="0" u="none" strike="noStrike" cap="none" spc="0">
-              <a:solidFill>
-                <a:schemeClr val="bg1"/>
-              </a:solidFill>
-              <a:latin typeface="Arial"/>
-              <a:cs typeface="Arial"/>
-            </a:endParaRPr>
-          </a:p>
-          <a:p>
-            <a:pPr>
-              <a:defRPr/>
-            </a:pPr>
-            <a:r>
-              <a:rPr lang="en-US" sz="3200" b="0" i="0" u="none" strike="noStrike" cap="none" spc="0">
+            <a:r>
+              <a:rPr lang="en-US" sz="1800" b="0" i="0" u="none" strike="noStrike" cap="none" spc="0">
                 <a:solidFill>
                   <a:schemeClr val="bg1"/>
                 </a:solidFill>
@@ -4411,147 +4522,7 @@
                 <a:ea typeface="Arial"/>
                 <a:cs typeface="Arial"/>
               </a:rPr>
-              <a:t>    Each protocol = Different attack surface</a:t>
-            </a:r>
-            <a:endParaRPr sz="3200" b="0" i="0" u="none" strike="noStrike" cap="none" spc="0">
-              <a:solidFill>
-                <a:schemeClr val="bg1"/>
-              </a:solidFill>
-              <a:latin typeface="Arial"/>
-              <a:cs typeface="Arial"/>
-            </a:endParaRPr>
-          </a:p>
-          <a:p>
-            <a:pPr>
-              <a:defRPr/>
-            </a:pPr>
-            <a:endParaRPr sz="3200" b="0" i="0" u="none" strike="noStrike" cap="none" spc="0">
-              <a:solidFill>
-                <a:schemeClr val="bg1"/>
-              </a:solidFill>
-              <a:latin typeface="Arial"/>
-              <a:cs typeface="Arial"/>
-            </a:endParaRPr>
-          </a:p>
-          <a:p>
-            <a:pPr>
-              <a:defRPr/>
-            </a:pPr>
-            <a:r>
-              <a:rPr lang="en-US" sz="3200" b="0" i="0" u="none" strike="noStrike" cap="none" spc="0">
-                <a:solidFill>
-                  <a:schemeClr val="bg1"/>
-                </a:solidFill>
-                <a:latin typeface="Arial"/>
-                <a:ea typeface="Arial"/>
-                <a:cs typeface="Arial"/>
-              </a:rPr>
-              <a:t>    Different vulnerability profiles</a:t>
-            </a:r>
-            <a:endParaRPr sz="3200" b="0" i="0" u="none" strike="noStrike" cap="none" spc="0">
-              <a:solidFill>
-                <a:schemeClr val="bg1"/>
-              </a:solidFill>
-              <a:latin typeface="Arial"/>
-              <a:cs typeface="Arial"/>
-            </a:endParaRPr>
-          </a:p>
-          <a:p>
-            <a:pPr>
-              <a:defRPr/>
-            </a:pPr>
-            <a:endParaRPr sz="3200" b="0" i="0" u="none" strike="noStrike" cap="none" spc="0">
-              <a:solidFill>
-                <a:schemeClr val="bg1"/>
-              </a:solidFill>
-              <a:latin typeface="Arial"/>
-              <a:cs typeface="Arial"/>
-            </a:endParaRPr>
-          </a:p>
-          <a:p>
-            <a:pPr>
-              <a:defRPr/>
-            </a:pPr>
-            <a:r>
-              <a:rPr lang="en-US" sz="3200" b="0" i="0" u="none" strike="noStrike" cap="none" spc="0">
-                <a:solidFill>
-                  <a:schemeClr val="bg1"/>
-                </a:solidFill>
-                <a:latin typeface="Arial"/>
-                <a:ea typeface="Arial"/>
-                <a:cs typeface="Arial"/>
-              </a:rPr>
-              <a:t>    Different cracking methodologies</a:t>
-            </a:r>
-            <a:endParaRPr sz="3200" b="0" i="0" u="none" strike="noStrike" cap="none" spc="0">
-              <a:solidFill>
-                <a:schemeClr val="bg1"/>
-              </a:solidFill>
-              <a:latin typeface="Arial"/>
-              <a:cs typeface="Arial"/>
-            </a:endParaRPr>
-          </a:p>
-          <a:p>
-            <a:pPr>
-              <a:defRPr/>
-            </a:pPr>
-            <a:endParaRPr sz="3200" b="0" i="0" u="none" strike="noStrike" cap="none" spc="0">
-              <a:solidFill>
-                <a:schemeClr val="bg1"/>
-              </a:solidFill>
-              <a:latin typeface="Arial"/>
-              <a:cs typeface="Arial"/>
-            </a:endParaRPr>
-          </a:p>
-          <a:p>
-            <a:pPr>
-              <a:defRPr/>
-            </a:pPr>
-            <a:r>
-              <a:rPr lang="en-US" sz="3200" b="0" i="0" u="none" strike="noStrike" cap="none" spc="0">
-                <a:solidFill>
-                  <a:schemeClr val="bg1"/>
-                </a:solidFill>
-                <a:latin typeface="Arial"/>
-                <a:ea typeface="Arial"/>
-                <a:cs typeface="Arial"/>
-              </a:rPr>
-              <a:t>    Attack strategy changes completely based on protocol</a:t>
-            </a:r>
-            <a:endParaRPr sz="3200" b="0" i="0" u="none" strike="noStrike" cap="none" spc="0">
-              <a:solidFill>
-                <a:schemeClr val="bg1"/>
-              </a:solidFill>
-              <a:latin typeface="Arial"/>
-              <a:cs typeface="Arial"/>
-            </a:endParaRPr>
-          </a:p>
-          <a:p>
-            <a:pPr>
-              <a:defRPr/>
-            </a:pPr>
-            <a:endParaRPr sz="3200" b="0" i="0" u="none" strike="noStrike" cap="none" spc="0">
-              <a:solidFill>
-                <a:schemeClr val="bg1"/>
-              </a:solidFill>
-              <a:latin typeface="Arial"/>
-              <a:cs typeface="Arial"/>
-            </a:endParaRPr>
-          </a:p>
-          <a:p>
-            <a:pPr>
-              <a:defRPr/>
-            </a:pPr>
-            <a:r>
-              <a:rPr lang="en-US" sz="3200" b="0" i="0" u="none" strike="noStrike" cap="none" spc="0">
-                <a:solidFill>
-                  <a:schemeClr val="bg1"/>
-                </a:solidFill>
-                <a:latin typeface="Arial"/>
-                <a:ea typeface="Arial"/>
-                <a:cs typeface="Arial"/>
-              </a:rPr>
-              <a:t>Knowledge Gap: Not knowing protocols = Wasting time on wrong attacks</a:t>
+              <a:t>Hello_World!</a:t>
             </a:r>
             <a:endParaRPr>
               <a:solidFill>
@@ -4561,6 +4532,28 @@
           </a:p>
         </p:txBody>
       </p:sp>
+      <p:pic>
+        <p:nvPicPr>
+          <p:cNvPr id="691143777" name=""/>
+          <p:cNvPicPr>
+            <a:picLocks noChangeAspect="1"/>
+          </p:cNvPicPr>
+          <p:nvPr/>
+        </p:nvPicPr>
+        <p:blipFill rotWithShape="1">
+          <a:blip r:embed="rId3"/>
+          <a:stretch/>
+        </p:blipFill>
+        <p:spPr bwMode="auto">
+          <a:xfrm>
+            <a:off x="4691062" y="524292"/>
+            <a:ext cx="2809873" cy="2800348"/>
+          </a:xfrm>
+          <a:prstGeom prst="rect">
+            <a:avLst/>
+          </a:prstGeom>
+        </p:spPr>
+      </p:pic>
     </p:spTree>
   </p:cSld>
   <p:clrMapOvr>
@@ -4596,7 +4589,7 @@
       </p:grpSpPr>
       <p:sp>
         <p:nvSpPr>
-          <p:cNvPr id="1784544010" name="Title 1"/>
+          <p:cNvPr id="1898799402" name="Title 1"/>
           <p:cNvSpPr>
             <a:spLocks noGrp="1"/>
           </p:cNvSpPr>
@@ -4613,7 +4606,7 @@
               <a:defRPr/>
             </a:pPr>
             <a:r>
-              <a:rPr lang="en-US" sz="3300" b="0" i="0" u="none" strike="noStrike" cap="none" spc="0">
+              <a:rPr lang="en-US" sz="4400" b="1" i="0" u="none" strike="noStrike" cap="none" spc="0">
                 <a:solidFill>
                   <a:schemeClr val="bg1"/>
                 </a:solidFill>
@@ -4621,7 +4614,7 @@
                 <a:ea typeface="Arial"/>
                 <a:cs typeface="Arial"/>
               </a:rPr>
-              <a:t>The Evolution Timeline</a:t>
+              <a:t>Why Understanding Protocols Matters</a:t>
             </a:r>
             <a:endParaRPr>
               <a:solidFill>
@@ -4633,7 +4626,7 @@
       </p:sp>
       <p:sp>
         <p:nvSpPr>
-          <p:cNvPr id="1494968270" name="Content Placeholder 2"/>
+          <p:cNvPr id="640696092" name="Content Placeholder 2"/>
           <p:cNvSpPr>
             <a:spLocks noGrp="1"/>
           </p:cNvSpPr>
@@ -4643,14 +4636,16 @@
         </p:nvSpPr>
         <p:spPr bwMode="auto"/>
         <p:txBody>
-          <a:bodyPr/>
-          <a:lstStyle/>
-          <a:p>
-            <a:pPr>
-              <a:defRPr/>
-            </a:pPr>
-            <a:r>
-              <a:rPr lang="en-US" sz="2100" b="0" i="0" u="none" strike="noStrike" cap="none" spc="0">
+          <a:bodyPr vertOverflow="overflow" horzOverflow="overflow" vert="horz" wrap="square" lIns="91440" tIns="45720" rIns="91440" bIns="45720" numCol="1" spcCol="0" rtlCol="0" fromWordArt="0" anchor="t" anchorCtr="0" forceAA="0" upright="0" compatLnSpc="0">
+            <a:normAutofit fontScale="75000" lnSpcReduction="5000"/>
+          </a:bodyPr>
+          <a:lstStyle/>
+          <a:p>
+            <a:pPr>
+              <a:defRPr/>
+            </a:pPr>
+            <a:r>
+              <a:rPr lang="en-US" sz="3200" b="0" i="0" u="none" strike="noStrike" cap="none" spc="0">
                 <a:solidFill>
                   <a:schemeClr val="bg1"/>
                 </a:solidFill>
@@ -4658,9 +4653,9 @@
                 <a:ea typeface="Arial"/>
                 <a:cs typeface="Arial"/>
               </a:rPr>
-              <a:t>1999 - WEP: Easily broken in minutes</a:t>
-            </a:r>
-            <a:endParaRPr sz="2100" b="0" i="0" u="none" strike="noStrike" cap="none" spc="0">
+              <a:t>This Isn't Academic—It's Tactical</a:t>
+            </a:r>
+            <a:endParaRPr sz="3200" b="0" i="0" u="none" strike="noStrike" cap="none" spc="0">
               <a:solidFill>
                 <a:schemeClr val="bg1"/>
               </a:solidFill>
@@ -4672,8 +4667,20 @@
             <a:pPr>
               <a:defRPr/>
             </a:pPr>
-            <a:r>
-              <a:rPr lang="en-US" sz="2100" b="0" i="0" u="none" strike="noStrike" cap="none" spc="0">
+            <a:endParaRPr sz="3200" b="0" i="0" u="none" strike="noStrike" cap="none" spc="0">
+              <a:solidFill>
+                <a:schemeClr val="bg1"/>
+              </a:solidFill>
+              <a:latin typeface="Arial"/>
+              <a:cs typeface="Arial"/>
+            </a:endParaRPr>
+          </a:p>
+          <a:p>
+            <a:pPr>
+              <a:defRPr/>
+            </a:pPr>
+            <a:r>
+              <a:rPr lang="en-US" sz="3200" b="0" i="0" u="none" strike="noStrike" cap="none" spc="0">
                 <a:solidFill>
                   <a:schemeClr val="bg1"/>
                 </a:solidFill>
@@ -4681,9 +4688,9 @@
                 <a:ea typeface="Arial"/>
                 <a:cs typeface="Arial"/>
               </a:rPr>
-              <a:t>2003 - WPA: Temporary fix, still vulnerable</a:t>
-            </a:r>
-            <a:endParaRPr sz="2100" b="0" i="0" u="none" strike="noStrike" cap="none" spc="0">
+              <a:t>    Each protocol = Different attack surface</a:t>
+            </a:r>
+            <a:endParaRPr sz="3200" b="0" i="0" u="none" strike="noStrike" cap="none" spc="0">
               <a:solidFill>
                 <a:schemeClr val="bg1"/>
               </a:solidFill>
@@ -4695,8 +4702,20 @@
             <a:pPr>
               <a:defRPr/>
             </a:pPr>
-            <a:r>
-              <a:rPr lang="en-US" sz="2100" b="0" i="0" u="none" strike="noStrike" cap="none" spc="0">
+            <a:endParaRPr sz="3200" b="0" i="0" u="none" strike="noStrike" cap="none" spc="0">
+              <a:solidFill>
+                <a:schemeClr val="bg1"/>
+              </a:solidFill>
+              <a:latin typeface="Arial"/>
+              <a:cs typeface="Arial"/>
+            </a:endParaRPr>
+          </a:p>
+          <a:p>
+            <a:pPr>
+              <a:defRPr/>
+            </a:pPr>
+            <a:r>
+              <a:rPr lang="en-US" sz="3200" b="0" i="0" u="none" strike="noStrike" cap="none" spc="0">
                 <a:solidFill>
                   <a:schemeClr val="bg1"/>
                 </a:solidFill>
@@ -4704,9 +4723,9 @@
                 <a:ea typeface="Arial"/>
                 <a:cs typeface="Arial"/>
               </a:rPr>
-              <a:t>2004 - WPA2: Current standard (90% of networks)</a:t>
-            </a:r>
-            <a:endParaRPr sz="2100" b="0" i="0" u="none" strike="noStrike" cap="none" spc="0">
+              <a:t>    Different vulnerability profiles</a:t>
+            </a:r>
+            <a:endParaRPr sz="3200" b="0" i="0" u="none" strike="noStrike" cap="none" spc="0">
               <a:solidFill>
                 <a:schemeClr val="bg1"/>
               </a:solidFill>
@@ -4718,8 +4737,20 @@
             <a:pPr>
               <a:defRPr/>
             </a:pPr>
-            <a:r>
-              <a:rPr lang="en-US" sz="2100" b="0" i="0" u="none" strike="noStrike" cap="none" spc="0">
+            <a:endParaRPr sz="3200" b="0" i="0" u="none" strike="noStrike" cap="none" spc="0">
+              <a:solidFill>
+                <a:schemeClr val="bg1"/>
+              </a:solidFill>
+              <a:latin typeface="Arial"/>
+              <a:cs typeface="Arial"/>
+            </a:endParaRPr>
+          </a:p>
+          <a:p>
+            <a:pPr>
+              <a:defRPr/>
+            </a:pPr>
+            <a:r>
+              <a:rPr lang="en-US" sz="3200" b="0" i="0" u="none" strike="noStrike" cap="none" spc="0">
                 <a:solidFill>
                   <a:schemeClr val="bg1"/>
                 </a:solidFill>
@@ -4727,9 +4758,83 @@
                 <a:ea typeface="Arial"/>
                 <a:cs typeface="Arial"/>
               </a:rPr>
-              <a:t>2018 - WPA3: New standard, limited adoption</a:t>
-            </a:r>
-            <a:endParaRPr/>
+              <a:t>    Different cracking methodologies</a:t>
+            </a:r>
+            <a:endParaRPr sz="3200" b="0" i="0" u="none" strike="noStrike" cap="none" spc="0">
+              <a:solidFill>
+                <a:schemeClr val="bg1"/>
+              </a:solidFill>
+              <a:latin typeface="Arial"/>
+              <a:cs typeface="Arial"/>
+            </a:endParaRPr>
+          </a:p>
+          <a:p>
+            <a:pPr>
+              <a:defRPr/>
+            </a:pPr>
+            <a:endParaRPr sz="3200" b="0" i="0" u="none" strike="noStrike" cap="none" spc="0">
+              <a:solidFill>
+                <a:schemeClr val="bg1"/>
+              </a:solidFill>
+              <a:latin typeface="Arial"/>
+              <a:cs typeface="Arial"/>
+            </a:endParaRPr>
+          </a:p>
+          <a:p>
+            <a:pPr>
+              <a:defRPr/>
+            </a:pPr>
+            <a:r>
+              <a:rPr lang="en-US" sz="3200" b="0" i="0" u="none" strike="noStrike" cap="none" spc="0">
+                <a:solidFill>
+                  <a:schemeClr val="bg1"/>
+                </a:solidFill>
+                <a:latin typeface="Arial"/>
+                <a:ea typeface="Arial"/>
+                <a:cs typeface="Arial"/>
+              </a:rPr>
+              <a:t>    Attack strategy changes completely based on protocol</a:t>
+            </a:r>
+            <a:endParaRPr sz="3200" b="0" i="0" u="none" strike="noStrike" cap="none" spc="0">
+              <a:solidFill>
+                <a:schemeClr val="bg1"/>
+              </a:solidFill>
+              <a:latin typeface="Arial"/>
+              <a:cs typeface="Arial"/>
+            </a:endParaRPr>
+          </a:p>
+          <a:p>
+            <a:pPr>
+              <a:defRPr/>
+            </a:pPr>
+            <a:endParaRPr sz="3200" b="0" i="0" u="none" strike="noStrike" cap="none" spc="0">
+              <a:solidFill>
+                <a:schemeClr val="bg1"/>
+              </a:solidFill>
+              <a:latin typeface="Arial"/>
+              <a:cs typeface="Arial"/>
+            </a:endParaRPr>
+          </a:p>
+          <a:p>
+            <a:pPr>
+              <a:defRPr/>
+            </a:pPr>
+            <a:r>
+              <a:rPr lang="en-US" sz="3200" b="0" i="0" u="none" strike="noStrike" cap="none" spc="0">
+                <a:solidFill>
+                  <a:schemeClr val="bg1"/>
+                </a:solidFill>
+                <a:latin typeface="Arial"/>
+                <a:ea typeface="Arial"/>
+                <a:cs typeface="Arial"/>
+              </a:rPr>
+              <a:t>Knowledge Gap: Not knowing protocols = Wasting time on wrong attacks</a:t>
+            </a:r>
+            <a:endParaRPr>
+              <a:solidFill>
+                <a:schemeClr val="bg1"/>
+              </a:solidFill>
+            </a:endParaRPr>
           </a:p>
         </p:txBody>
       </p:sp>
@@ -4768,7 +4873,7 @@
       </p:grpSpPr>
       <p:sp>
         <p:nvSpPr>
-          <p:cNvPr id="44091230" name="Title 1"/>
+          <p:cNvPr id="262225244" name="Title 1"/>
           <p:cNvSpPr>
             <a:spLocks noGrp="1"/>
           </p:cNvSpPr>
@@ -4793,7 +4898,7 @@
                 <a:ea typeface="Arial"/>
                 <a:cs typeface="Arial"/>
               </a:rPr>
-              <a:t>Share of Wi-Fi hotspots that use WPA/WPA2</a:t>
+              <a:t>The Evolution Timeline</a:t>
             </a:r>
             <a:endParaRPr>
               <a:solidFill>
@@ -4803,30 +4908,108 @@
           </a:p>
         </p:txBody>
       </p:sp>
-      <p:pic>
-        <p:nvPicPr>
-          <p:cNvPr id="2141408329" name=""/>
-          <p:cNvPicPr>
-            <a:picLocks noChangeAspect="1"/>
-          </p:cNvPicPr>
+      <p:sp>
+        <p:nvSpPr>
+          <p:cNvPr id="1374416621" name="Content Placeholder 2"/>
+          <p:cNvSpPr>
+            <a:spLocks noGrp="1"/>
+          </p:cNvSpPr>
           <p:nvPr>
             <p:ph idx="1"/>
           </p:nvPr>
-        </p:nvPicPr>
-        <p:blipFill rotWithShape="1">
-          <a:blip r:embed="rId3"/>
-          <a:stretch/>
-        </p:blipFill>
-        <p:spPr bwMode="auto">
-          <a:xfrm rot="0">
-            <a:off x="2297077" y="1825625"/>
-            <a:ext cx="7597845" cy="4351338"/>
-          </a:xfrm>
-          <a:prstGeom prst="rect">
-            <a:avLst/>
-          </a:prstGeom>
-        </p:spPr>
-      </p:pic>
+        </p:nvSpPr>
+        <p:spPr bwMode="auto"/>
+        <p:txBody>
+          <a:bodyPr/>
+          <a:lstStyle/>
+          <a:p>
+            <a:pPr>
+              <a:defRPr/>
+            </a:pPr>
+            <a:r>
+              <a:rPr lang="en-US" sz="2100" b="0" i="0" u="none" strike="noStrike" cap="none" spc="0">
+                <a:solidFill>
+                  <a:schemeClr val="bg1"/>
+                </a:solidFill>
+                <a:latin typeface="Arial"/>
+                <a:ea typeface="Arial"/>
+                <a:cs typeface="Arial"/>
+              </a:rPr>
+              <a:t>1999 - WEP: Easily broken in minutes</a:t>
+            </a:r>
+            <a:endParaRPr sz="2100" b="0" i="0" u="none" strike="noStrike" cap="none" spc="0">
+              <a:solidFill>
+                <a:schemeClr val="bg1"/>
+              </a:solidFill>
+              <a:latin typeface="Arial"/>
+              <a:cs typeface="Arial"/>
+            </a:endParaRPr>
+          </a:p>
+          <a:p>
+            <a:pPr>
+              <a:defRPr/>
+            </a:pPr>
+            <a:r>
+              <a:rPr lang="en-US" sz="2100" b="0" i="0" u="none" strike="noStrike" cap="none" spc="0">
+                <a:solidFill>
+                  <a:schemeClr val="bg1"/>
+                </a:solidFill>
+                <a:latin typeface="Arial"/>
+                <a:ea typeface="Arial"/>
+                <a:cs typeface="Arial"/>
+              </a:rPr>
+              <a:t>2003 - WPA: Temporary fix, still vulnerable</a:t>
+            </a:r>
+            <a:endParaRPr sz="2100" b="0" i="0" u="none" strike="noStrike" cap="none" spc="0">
+              <a:solidFill>
+                <a:schemeClr val="bg1"/>
+              </a:solidFill>
+              <a:latin typeface="Arial"/>
+              <a:cs typeface="Arial"/>
+            </a:endParaRPr>
+          </a:p>
+          <a:p>
+            <a:pPr>
+              <a:defRPr/>
+            </a:pPr>
+            <a:r>
+              <a:rPr lang="en-US" sz="2100" b="0" i="0" u="none" strike="noStrike" cap="none" spc="0">
+                <a:solidFill>
+                  <a:schemeClr val="bg1"/>
+                </a:solidFill>
+                <a:latin typeface="Arial"/>
+                <a:ea typeface="Arial"/>
+                <a:cs typeface="Arial"/>
+              </a:rPr>
+              <a:t>2004 - WPA2: Current standard (90% of networks)</a:t>
+            </a:r>
+            <a:endParaRPr sz="2100" b="0" i="0" u="none" strike="noStrike" cap="none" spc="0">
+              <a:solidFill>
+                <a:schemeClr val="bg1"/>
+              </a:solidFill>
+              <a:latin typeface="Arial"/>
+              <a:cs typeface="Arial"/>
+            </a:endParaRPr>
+          </a:p>
+          <a:p>
+            <a:pPr>
+              <a:defRPr/>
+            </a:pPr>
+            <a:r>
+              <a:rPr lang="en-US" sz="2100" b="0" i="0" u="none" strike="noStrike" cap="none" spc="0">
+                <a:solidFill>
+                  <a:schemeClr val="bg1"/>
+                </a:solidFill>
+                <a:latin typeface="Arial"/>
+                <a:ea typeface="Arial"/>
+                <a:cs typeface="Arial"/>
+              </a:rPr>
+              <a:t>2018 - WPA3: New standard, limited adoption</a:t>
+            </a:r>
+            <a:endParaRPr/>
+          </a:p>
+        </p:txBody>
+      </p:sp>
     </p:spTree>
   </p:cSld>
   <p:clrMapOvr>
@@ -4862,7 +5045,7 @@
       </p:grpSpPr>
       <p:sp>
         <p:nvSpPr>
-          <p:cNvPr id="287556435" name="Title 1"/>
+          <p:cNvPr id="362777127" name="Title 1"/>
           <p:cNvSpPr>
             <a:spLocks noGrp="1"/>
           </p:cNvSpPr>
@@ -4887,26 +5070,7 @@
                 <a:ea typeface="Arial"/>
                 <a:cs typeface="Arial"/>
               </a:rPr>
-              <a:t>WPA2 - Your Main Target</a:t>
-            </a:r>
-            <a:r>
-              <a:rPr>
-                <a:solidFill>
-                  <a:schemeClr val="bg1"/>
-                </a:solidFill>
-              </a:rPr>
-              <a:t> - </a:t>
-            </a:r>
-            <a:r>
-              <a:rPr lang="en-US" sz="3300" b="0" i="0" u="none" strike="noStrike" cap="none" spc="0">
-                <a:solidFill>
-                  <a:schemeClr val="bg1"/>
-                </a:solidFill>
-                <a:latin typeface="Arial"/>
-                <a:ea typeface="Arial"/>
-                <a:cs typeface="Arial"/>
-              </a:rPr>
-              <a:t>The Current Standard (2004-Present)</a:t>
+              <a:t>Share of Wi-Fi hotspots that use WPA/WPA2</a:t>
             </a:r>
             <a:endParaRPr>
               <a:solidFill>
@@ -4916,325 +5080,30 @@
           </a:p>
         </p:txBody>
       </p:sp>
-      <p:sp>
-        <p:nvSpPr>
-          <p:cNvPr id="1600088714" name="Content Placeholder 2"/>
-          <p:cNvSpPr>
-            <a:spLocks noGrp="1"/>
-          </p:cNvSpPr>
+      <p:pic>
+        <p:nvPicPr>
+          <p:cNvPr id="570160646" name=""/>
+          <p:cNvPicPr>
+            <a:picLocks noChangeAspect="1"/>
+          </p:cNvPicPr>
           <p:nvPr>
             <p:ph idx="1"/>
           </p:nvPr>
-        </p:nvSpPr>
-        <p:spPr bwMode="auto"/>
-        <p:txBody>
-          <a:bodyPr vertOverflow="overflow" horzOverflow="overflow" vert="horz" wrap="square" lIns="91440" tIns="45720" rIns="91440" bIns="45720" numCol="1" spcCol="0" rtlCol="0" fromWordArt="0" anchor="t" anchorCtr="0" forceAA="0" upright="0" compatLnSpc="0">
-            <a:normAutofit fontScale="60000" lnSpcReduction="8000"/>
-          </a:bodyPr>
-          <a:lstStyle/>
-          <a:p>
-            <a:pPr>
-              <a:defRPr/>
-            </a:pPr>
-            <a:r>
-              <a:rPr lang="en-US" sz="2100" b="0" i="0" u="none" strike="noStrike" cap="none" spc="0">
-                <a:solidFill>
-                  <a:schemeClr val="bg1"/>
-                </a:solidFill>
-                <a:latin typeface="Arial"/>
-                <a:ea typeface="Arial"/>
-                <a:cs typeface="Arial"/>
-              </a:rPr>
-              <a:t>How it works:</a:t>
-            </a:r>
-            <a:endParaRPr sz="2100" b="0" i="0" u="none" strike="noStrike" cap="none" spc="0">
-              <a:solidFill>
-                <a:schemeClr val="bg1"/>
-              </a:solidFill>
-              <a:latin typeface="Arial"/>
-              <a:cs typeface="Arial"/>
-            </a:endParaRPr>
-          </a:p>
-          <a:p>
-            <a:pPr>
-              <a:defRPr/>
-            </a:pPr>
-            <a:endParaRPr sz="2100" b="0" i="0" u="none" strike="noStrike" cap="none" spc="0">
-              <a:solidFill>
-                <a:schemeClr val="bg1"/>
-              </a:solidFill>
-              <a:latin typeface="Arial"/>
-              <a:cs typeface="Arial"/>
-            </a:endParaRPr>
-          </a:p>
-          <a:p>
-            <a:pPr>
-              <a:defRPr/>
-            </a:pPr>
-            <a:r>
-              <a:rPr lang="en-US" sz="2100" b="0" i="0" u="none" strike="noStrike" cap="none" spc="0">
-                <a:solidFill>
-                  <a:schemeClr val="bg1"/>
-                </a:solidFill>
-                <a:latin typeface="Arial"/>
-                <a:ea typeface="Arial"/>
-                <a:cs typeface="Arial"/>
-              </a:rPr>
-              <a:t>    CCMP encryption with AES (strong crypto)</a:t>
-            </a:r>
-            <a:endParaRPr sz="2100" b="0" i="0" u="none" strike="noStrike" cap="none" spc="0">
-              <a:solidFill>
-                <a:schemeClr val="bg1"/>
-              </a:solidFill>
-              <a:latin typeface="Arial"/>
-              <a:cs typeface="Arial"/>
-            </a:endParaRPr>
-          </a:p>
-          <a:p>
-            <a:pPr>
-              <a:defRPr/>
-            </a:pPr>
-            <a:endParaRPr sz="2100" b="0" i="0" u="none" strike="noStrike" cap="none" spc="0">
-              <a:solidFill>
-                <a:schemeClr val="bg1"/>
-              </a:solidFill>
-              <a:latin typeface="Arial"/>
-              <a:cs typeface="Arial"/>
-            </a:endParaRPr>
-          </a:p>
-          <a:p>
-            <a:pPr>
-              <a:defRPr/>
-            </a:pPr>
-            <a:r>
-              <a:rPr lang="en-US" sz="2100" b="0" i="0" u="none" strike="noStrike" cap="none" spc="0">
-                <a:solidFill>
-                  <a:schemeClr val="bg1"/>
-                </a:solidFill>
-                <a:latin typeface="Arial"/>
-                <a:ea typeface="Arial"/>
-                <a:cs typeface="Arial"/>
-              </a:rPr>
-              <a:t>    4-way handshake for key establishment</a:t>
-            </a:r>
-            <a:endParaRPr sz="2100" b="0" i="0" u="none" strike="noStrike" cap="none" spc="0">
-              <a:solidFill>
-                <a:schemeClr val="bg1"/>
-              </a:solidFill>
-              <a:latin typeface="Arial"/>
-              <a:cs typeface="Arial"/>
-            </a:endParaRPr>
-          </a:p>
-          <a:p>
-            <a:pPr>
-              <a:defRPr/>
-            </a:pPr>
-            <a:endParaRPr sz="2100" b="0" i="0" u="none" strike="noStrike" cap="none" spc="0">
-              <a:solidFill>
-                <a:schemeClr val="bg1"/>
-              </a:solidFill>
-              <a:latin typeface="Arial"/>
-              <a:cs typeface="Arial"/>
-            </a:endParaRPr>
-          </a:p>
-          <a:p>
-            <a:pPr>
-              <a:defRPr/>
-            </a:pPr>
-            <a:r>
-              <a:rPr lang="en-US" sz="2100" b="0" i="0" u="none" strike="noStrike" cap="none" spc="0">
-                <a:solidFill>
-                  <a:schemeClr val="bg1"/>
-                </a:solidFill>
-                <a:latin typeface="Arial"/>
-                <a:ea typeface="Arial"/>
-                <a:cs typeface="Arial"/>
-              </a:rPr>
-              <a:t>    PMK derived from password via PBKDF2</a:t>
-            </a:r>
-            <a:endParaRPr sz="2100" b="0" i="0" u="none" strike="noStrike" cap="none" spc="0">
-              <a:solidFill>
-                <a:schemeClr val="bg1"/>
-              </a:solidFill>
-              <a:latin typeface="Arial"/>
-              <a:cs typeface="Arial"/>
-            </a:endParaRPr>
-          </a:p>
-          <a:p>
-            <a:pPr>
-              <a:defRPr/>
-            </a:pPr>
-            <a:endParaRPr sz="2100" b="0" i="0" u="none" strike="noStrike" cap="none" spc="0">
-              <a:solidFill>
-                <a:schemeClr val="bg1"/>
-              </a:solidFill>
-              <a:latin typeface="Arial"/>
-              <a:cs typeface="Arial"/>
-            </a:endParaRPr>
-          </a:p>
-          <a:p>
-            <a:pPr>
-              <a:defRPr/>
-            </a:pPr>
-            <a:r>
-              <a:rPr lang="en-US" sz="2100" b="0" i="0" u="none" strike="noStrike" cap="none" spc="0">
-                <a:solidFill>
-                  <a:schemeClr val="bg1"/>
-                </a:solidFill>
-                <a:latin typeface="Arial"/>
-                <a:ea typeface="Arial"/>
-                <a:cs typeface="Arial"/>
-              </a:rPr>
-              <a:t>Critical Vulnerabilities:</a:t>
-            </a:r>
-            <a:endParaRPr sz="2100" b="0" i="0" u="none" strike="noStrike" cap="none" spc="0">
-              <a:solidFill>
-                <a:schemeClr val="bg1"/>
-              </a:solidFill>
-              <a:latin typeface="Arial"/>
-              <a:cs typeface="Arial"/>
-            </a:endParaRPr>
-          </a:p>
-          <a:p>
-            <a:pPr>
-              <a:defRPr/>
-            </a:pPr>
-            <a:endParaRPr sz="2100" b="0" i="0" u="none" strike="noStrike" cap="none" spc="0">
-              <a:solidFill>
-                <a:schemeClr val="bg1"/>
-              </a:solidFill>
-              <a:latin typeface="Arial"/>
-              <a:cs typeface="Arial"/>
-            </a:endParaRPr>
-          </a:p>
-          <a:p>
-            <a:pPr>
-              <a:defRPr/>
-            </a:pPr>
-            <a:r>
-              <a:rPr lang="en-US" sz="2100" b="0" i="0" u="none" strike="noStrike" cap="none" spc="0">
-                <a:solidFill>
-                  <a:schemeClr val="bg1"/>
-                </a:solidFill>
-                <a:latin typeface="Arial"/>
-                <a:ea typeface="Arial"/>
-                <a:cs typeface="Arial"/>
-              </a:rPr>
-              <a:t>    KRACK Attack (Key Reinstallation Attack)</a:t>
-            </a:r>
-            <a:endParaRPr sz="2100" b="0" i="0" u="none" strike="noStrike" cap="none" spc="0">
-              <a:solidFill>
-                <a:schemeClr val="bg1"/>
-              </a:solidFill>
-              <a:latin typeface="Arial"/>
-              <a:cs typeface="Arial"/>
-            </a:endParaRPr>
-          </a:p>
-          <a:p>
-            <a:pPr>
-              <a:defRPr/>
-            </a:pPr>
-            <a:endParaRPr sz="2100" b="0" i="0" u="none" strike="noStrike" cap="none" spc="0">
-              <a:solidFill>
-                <a:schemeClr val="bg1"/>
-              </a:solidFill>
-              <a:latin typeface="Arial"/>
-              <a:cs typeface="Arial"/>
-            </a:endParaRPr>
-          </a:p>
-          <a:p>
-            <a:pPr>
-              <a:defRPr/>
-            </a:pPr>
-            <a:r>
-              <a:rPr lang="en-US" sz="2100" b="0" i="0" u="none" strike="noStrike" cap="none" spc="0">
-                <a:solidFill>
-                  <a:schemeClr val="bg1"/>
-                </a:solidFill>
-                <a:latin typeface="Arial"/>
-                <a:ea typeface="Arial"/>
-                <a:cs typeface="Arial"/>
-              </a:rPr>
-              <a:t>    Handshake capture + dictionary attacks</a:t>
-            </a:r>
-            <a:endParaRPr sz="2100" b="0" i="0" u="none" strike="noStrike" cap="none" spc="0">
-              <a:solidFill>
-                <a:schemeClr val="bg1"/>
-              </a:solidFill>
-              <a:latin typeface="Arial"/>
-              <a:cs typeface="Arial"/>
-            </a:endParaRPr>
-          </a:p>
-          <a:p>
-            <a:pPr>
-              <a:defRPr/>
-            </a:pPr>
-            <a:endParaRPr sz="2100" b="0" i="0" u="none" strike="noStrike" cap="none" spc="0">
-              <a:solidFill>
-                <a:schemeClr val="bg1"/>
-              </a:solidFill>
-              <a:latin typeface="Arial"/>
-              <a:cs typeface="Arial"/>
-            </a:endParaRPr>
-          </a:p>
-          <a:p>
-            <a:pPr>
-              <a:defRPr/>
-            </a:pPr>
-            <a:r>
-              <a:rPr lang="en-US" sz="2100" b="0" i="0" u="none" strike="noStrike" cap="none" spc="0">
-                <a:solidFill>
-                  <a:schemeClr val="bg1"/>
-                </a:solidFill>
-                <a:latin typeface="Arial"/>
-                <a:ea typeface="Arial"/>
-                <a:cs typeface="Arial"/>
-              </a:rPr>
-              <a:t>    WPS vulnerability (separate feature)</a:t>
-            </a:r>
-            <a:endParaRPr sz="2100" b="0" i="0" u="none" strike="noStrike" cap="none" spc="0">
-              <a:solidFill>
-                <a:schemeClr val="bg1"/>
-              </a:solidFill>
-              <a:latin typeface="Arial"/>
-              <a:cs typeface="Arial"/>
-            </a:endParaRPr>
-          </a:p>
-          <a:p>
-            <a:pPr>
-              <a:defRPr/>
-            </a:pPr>
-            <a:endParaRPr sz="2100" b="0" i="0" u="none" strike="noStrike" cap="none" spc="0">
-              <a:solidFill>
-                <a:schemeClr val="bg1"/>
-              </a:solidFill>
-              <a:latin typeface="Arial"/>
-              <a:cs typeface="Arial"/>
-            </a:endParaRPr>
-          </a:p>
-          <a:p>
-            <a:pPr>
-              <a:defRPr/>
-            </a:pPr>
-            <a:r>
-              <a:rPr lang="en-US" sz="2100" b="0" i="0" u="none" strike="noStrike" cap="none" spc="0">
-                <a:solidFill>
-                  <a:schemeClr val="bg1"/>
-                </a:solidFill>
-                <a:latin typeface="Arial"/>
-                <a:ea typeface="Arial"/>
-                <a:cs typeface="Arial"/>
-              </a:rPr>
-              <a:t>Why This Matters: 90% of networks = WPA2</a:t>
-            </a:r>
-            <a:endParaRPr>
-              <a:solidFill>
-                <a:schemeClr val="bg1"/>
-              </a:solidFill>
-            </a:endParaRPr>
-          </a:p>
-        </p:txBody>
-      </p:sp>
+        </p:nvPicPr>
+        <p:blipFill rotWithShape="1">
+          <a:blip r:embed="rId3"/>
+          <a:stretch/>
+        </p:blipFill>
+        <p:spPr bwMode="auto">
+          <a:xfrm rot="0">
+            <a:off x="2297077" y="1825625"/>
+            <a:ext cx="7597845" cy="4351338"/>
+          </a:xfrm>
+          <a:prstGeom prst="rect">
+            <a:avLst/>
+          </a:prstGeom>
+        </p:spPr>
+      </p:pic>
     </p:spTree>
   </p:cSld>
   <p:clrMapOvr>
@@ -5270,7 +5139,415 @@
       </p:grpSpPr>
       <p:sp>
         <p:nvSpPr>
-          <p:cNvPr id="917816133" name="Title 1"/>
+          <p:cNvPr id="1079032445" name="Title 1"/>
+          <p:cNvSpPr>
+            <a:spLocks noGrp="1"/>
+          </p:cNvSpPr>
+          <p:nvPr>
+            <p:ph type="title"/>
+          </p:nvPr>
+        </p:nvSpPr>
+        <p:spPr bwMode="auto"/>
+        <p:txBody>
+          <a:bodyPr/>
+          <a:lstStyle/>
+          <a:p>
+            <a:pPr>
+              <a:defRPr/>
+            </a:pPr>
+            <a:r>
+              <a:rPr lang="en-US" sz="3300" b="0" i="0" u="none" strike="noStrike" cap="none" spc="0">
+                <a:solidFill>
+                  <a:schemeClr val="bg1"/>
+                </a:solidFill>
+                <a:latin typeface="Arial"/>
+                <a:ea typeface="Arial"/>
+                <a:cs typeface="Arial"/>
+              </a:rPr>
+              <a:t>WPA2 - Your Main Target</a:t>
+            </a:r>
+            <a:r>
+              <a:rPr>
+                <a:solidFill>
+                  <a:schemeClr val="bg1"/>
+                </a:solidFill>
+              </a:rPr>
+              <a:t> - </a:t>
+            </a:r>
+            <a:r>
+              <a:rPr lang="en-US" sz="3300" b="0" i="0" u="none" strike="noStrike" cap="none" spc="0">
+                <a:solidFill>
+                  <a:schemeClr val="bg1"/>
+                </a:solidFill>
+                <a:latin typeface="Arial"/>
+                <a:ea typeface="Arial"/>
+                <a:cs typeface="Arial"/>
+              </a:rPr>
+              <a:t>The Current Standard (2004-Present)</a:t>
+            </a:r>
+            <a:endParaRPr>
+              <a:solidFill>
+                <a:schemeClr val="bg1"/>
+              </a:solidFill>
+            </a:endParaRPr>
+          </a:p>
+        </p:txBody>
+      </p:sp>
+      <p:sp>
+        <p:nvSpPr>
+          <p:cNvPr id="1196930048" name="Content Placeholder 2"/>
+          <p:cNvSpPr>
+            <a:spLocks noGrp="1"/>
+          </p:cNvSpPr>
+          <p:nvPr>
+            <p:ph idx="1"/>
+          </p:nvPr>
+        </p:nvSpPr>
+        <p:spPr bwMode="auto"/>
+        <p:txBody>
+          <a:bodyPr vertOverflow="overflow" horzOverflow="overflow" vert="horz" wrap="square" lIns="91440" tIns="45720" rIns="91440" bIns="45720" numCol="1" spcCol="0" rtlCol="0" fromWordArt="0" anchor="t" anchorCtr="0" forceAA="0" upright="0" compatLnSpc="0">
+            <a:normAutofit fontScale="60000" lnSpcReduction="8000"/>
+          </a:bodyPr>
+          <a:lstStyle/>
+          <a:p>
+            <a:pPr>
+              <a:defRPr/>
+            </a:pPr>
+            <a:r>
+              <a:rPr lang="en-US" sz="2100" b="0" i="0" u="none" strike="noStrike" cap="none" spc="0">
+                <a:solidFill>
+                  <a:schemeClr val="bg1"/>
+                </a:solidFill>
+                <a:latin typeface="Arial"/>
+                <a:ea typeface="Arial"/>
+                <a:cs typeface="Arial"/>
+              </a:rPr>
+              <a:t>How it works:</a:t>
+            </a:r>
+            <a:endParaRPr sz="2100" b="0" i="0" u="none" strike="noStrike" cap="none" spc="0">
+              <a:solidFill>
+                <a:schemeClr val="bg1"/>
+              </a:solidFill>
+              <a:latin typeface="Arial"/>
+              <a:cs typeface="Arial"/>
+            </a:endParaRPr>
+          </a:p>
+          <a:p>
+            <a:pPr>
+              <a:defRPr/>
+            </a:pPr>
+            <a:endParaRPr sz="2100" b="0" i="0" u="none" strike="noStrike" cap="none" spc="0">
+              <a:solidFill>
+                <a:schemeClr val="bg1"/>
+              </a:solidFill>
+              <a:latin typeface="Arial"/>
+              <a:cs typeface="Arial"/>
+            </a:endParaRPr>
+          </a:p>
+          <a:p>
+            <a:pPr>
+              <a:defRPr/>
+            </a:pPr>
+            <a:r>
+              <a:rPr lang="en-US" sz="2100" b="0" i="0" u="none" strike="noStrike" cap="none" spc="0">
+                <a:solidFill>
+                  <a:schemeClr val="bg1"/>
+                </a:solidFill>
+                <a:latin typeface="Arial"/>
+                <a:ea typeface="Arial"/>
+                <a:cs typeface="Arial"/>
+              </a:rPr>
+              <a:t>    CCMP encryption with AES (strong crypto)</a:t>
+            </a:r>
+            <a:endParaRPr sz="2100" b="0" i="0" u="none" strike="noStrike" cap="none" spc="0">
+              <a:solidFill>
+                <a:schemeClr val="bg1"/>
+              </a:solidFill>
+              <a:latin typeface="Arial"/>
+              <a:cs typeface="Arial"/>
+            </a:endParaRPr>
+          </a:p>
+          <a:p>
+            <a:pPr>
+              <a:defRPr/>
+            </a:pPr>
+            <a:endParaRPr sz="2100" b="0" i="0" u="none" strike="noStrike" cap="none" spc="0">
+              <a:solidFill>
+                <a:schemeClr val="bg1"/>
+              </a:solidFill>
+              <a:latin typeface="Arial"/>
+              <a:cs typeface="Arial"/>
+            </a:endParaRPr>
+          </a:p>
+          <a:p>
+            <a:pPr>
+              <a:defRPr/>
+            </a:pPr>
+            <a:r>
+              <a:rPr lang="en-US" sz="2100" b="0" i="0" u="none" strike="noStrike" cap="none" spc="0">
+                <a:solidFill>
+                  <a:schemeClr val="bg1"/>
+                </a:solidFill>
+                <a:latin typeface="Arial"/>
+                <a:ea typeface="Arial"/>
+                <a:cs typeface="Arial"/>
+              </a:rPr>
+              <a:t>    4-way handshake for key establishment</a:t>
+            </a:r>
+            <a:endParaRPr sz="2100" b="0" i="0" u="none" strike="noStrike" cap="none" spc="0">
+              <a:solidFill>
+                <a:schemeClr val="bg1"/>
+              </a:solidFill>
+              <a:latin typeface="Arial"/>
+              <a:cs typeface="Arial"/>
+            </a:endParaRPr>
+          </a:p>
+          <a:p>
+            <a:pPr>
+              <a:defRPr/>
+            </a:pPr>
+            <a:endParaRPr sz="2100" b="0" i="0" u="none" strike="noStrike" cap="none" spc="0">
+              <a:solidFill>
+                <a:schemeClr val="bg1"/>
+              </a:solidFill>
+              <a:latin typeface="Arial"/>
+              <a:cs typeface="Arial"/>
+            </a:endParaRPr>
+          </a:p>
+          <a:p>
+            <a:pPr>
+              <a:defRPr/>
+            </a:pPr>
+            <a:r>
+              <a:rPr lang="en-US" sz="2100" b="0" i="0" u="none" strike="noStrike" cap="none" spc="0">
+                <a:solidFill>
+                  <a:schemeClr val="bg1"/>
+                </a:solidFill>
+                <a:latin typeface="Arial"/>
+                <a:ea typeface="Arial"/>
+                <a:cs typeface="Arial"/>
+              </a:rPr>
+              <a:t>    PMK derived from password via PBKDF2</a:t>
+            </a:r>
+            <a:endParaRPr sz="2100" b="0" i="0" u="none" strike="noStrike" cap="none" spc="0">
+              <a:solidFill>
+                <a:schemeClr val="bg1"/>
+              </a:solidFill>
+              <a:latin typeface="Arial"/>
+              <a:cs typeface="Arial"/>
+            </a:endParaRPr>
+          </a:p>
+          <a:p>
+            <a:pPr>
+              <a:defRPr/>
+            </a:pPr>
+            <a:endParaRPr sz="2100" b="0" i="0" u="none" strike="noStrike" cap="none" spc="0">
+              <a:solidFill>
+                <a:schemeClr val="bg1"/>
+              </a:solidFill>
+              <a:latin typeface="Arial"/>
+              <a:cs typeface="Arial"/>
+            </a:endParaRPr>
+          </a:p>
+          <a:p>
+            <a:pPr>
+              <a:defRPr/>
+            </a:pPr>
+            <a:r>
+              <a:rPr lang="en-US" sz="2100" b="0" i="0" u="none" strike="noStrike" cap="none" spc="0">
+                <a:solidFill>
+                  <a:schemeClr val="bg1"/>
+                </a:solidFill>
+                <a:latin typeface="Arial"/>
+                <a:ea typeface="Arial"/>
+                <a:cs typeface="Arial"/>
+              </a:rPr>
+              <a:t>Critical Vulnerabilities:</a:t>
+            </a:r>
+            <a:endParaRPr sz="2100" b="0" i="0" u="none" strike="noStrike" cap="none" spc="0">
+              <a:solidFill>
+                <a:schemeClr val="bg1"/>
+              </a:solidFill>
+              <a:latin typeface="Arial"/>
+              <a:cs typeface="Arial"/>
+            </a:endParaRPr>
+          </a:p>
+          <a:p>
+            <a:pPr>
+              <a:defRPr/>
+            </a:pPr>
+            <a:endParaRPr sz="2100" b="0" i="0" u="none" strike="noStrike" cap="none" spc="0">
+              <a:solidFill>
+                <a:schemeClr val="bg1"/>
+              </a:solidFill>
+              <a:latin typeface="Arial"/>
+              <a:cs typeface="Arial"/>
+            </a:endParaRPr>
+          </a:p>
+          <a:p>
+            <a:pPr>
+              <a:defRPr/>
+            </a:pPr>
+            <a:r>
+              <a:rPr lang="en-US" sz="2100" b="0" i="0" u="none" strike="noStrike" cap="none" spc="0">
+                <a:solidFill>
+                  <a:schemeClr val="bg1"/>
+                </a:solidFill>
+                <a:latin typeface="Arial"/>
+                <a:ea typeface="Arial"/>
+                <a:cs typeface="Arial"/>
+              </a:rPr>
+              <a:t>    KRACK Attack (Key Reinstallation Attack)</a:t>
+            </a:r>
+            <a:endParaRPr sz="2100" b="0" i="0" u="none" strike="noStrike" cap="none" spc="0">
+              <a:solidFill>
+                <a:schemeClr val="bg1"/>
+              </a:solidFill>
+              <a:latin typeface="Arial"/>
+              <a:cs typeface="Arial"/>
+            </a:endParaRPr>
+          </a:p>
+          <a:p>
+            <a:pPr>
+              <a:defRPr/>
+            </a:pPr>
+            <a:endParaRPr sz="2100" b="0" i="0" u="none" strike="noStrike" cap="none" spc="0">
+              <a:solidFill>
+                <a:schemeClr val="bg1"/>
+              </a:solidFill>
+              <a:latin typeface="Arial"/>
+              <a:cs typeface="Arial"/>
+            </a:endParaRPr>
+          </a:p>
+          <a:p>
+            <a:pPr>
+              <a:defRPr/>
+            </a:pPr>
+            <a:r>
+              <a:rPr lang="en-US" sz="2100" b="0" i="0" u="none" strike="noStrike" cap="none" spc="0">
+                <a:solidFill>
+                  <a:schemeClr val="bg1"/>
+                </a:solidFill>
+                <a:latin typeface="Arial"/>
+                <a:ea typeface="Arial"/>
+                <a:cs typeface="Arial"/>
+              </a:rPr>
+              <a:t>    Handshake capture + dictionary attacks</a:t>
+            </a:r>
+            <a:endParaRPr sz="2100" b="0" i="0" u="none" strike="noStrike" cap="none" spc="0">
+              <a:solidFill>
+                <a:schemeClr val="bg1"/>
+              </a:solidFill>
+              <a:latin typeface="Arial"/>
+              <a:cs typeface="Arial"/>
+            </a:endParaRPr>
+          </a:p>
+          <a:p>
+            <a:pPr>
+              <a:defRPr/>
+            </a:pPr>
+            <a:endParaRPr sz="2100" b="0" i="0" u="none" strike="noStrike" cap="none" spc="0">
+              <a:solidFill>
+                <a:schemeClr val="bg1"/>
+              </a:solidFill>
+              <a:latin typeface="Arial"/>
+              <a:cs typeface="Arial"/>
+            </a:endParaRPr>
+          </a:p>
+          <a:p>
+            <a:pPr>
+              <a:defRPr/>
+            </a:pPr>
+            <a:r>
+              <a:rPr lang="en-US" sz="2100" b="0" i="0" u="none" strike="noStrike" cap="none" spc="0">
+                <a:solidFill>
+                  <a:schemeClr val="bg1"/>
+                </a:solidFill>
+                <a:latin typeface="Arial"/>
+                <a:ea typeface="Arial"/>
+                <a:cs typeface="Arial"/>
+              </a:rPr>
+              <a:t>    WPS vulnerability (separate feature)</a:t>
+            </a:r>
+            <a:endParaRPr sz="2100" b="0" i="0" u="none" strike="noStrike" cap="none" spc="0">
+              <a:solidFill>
+                <a:schemeClr val="bg1"/>
+              </a:solidFill>
+              <a:latin typeface="Arial"/>
+              <a:cs typeface="Arial"/>
+            </a:endParaRPr>
+          </a:p>
+          <a:p>
+            <a:pPr>
+              <a:defRPr/>
+            </a:pPr>
+            <a:endParaRPr sz="2100" b="0" i="0" u="none" strike="noStrike" cap="none" spc="0">
+              <a:solidFill>
+                <a:schemeClr val="bg1"/>
+              </a:solidFill>
+              <a:latin typeface="Arial"/>
+              <a:cs typeface="Arial"/>
+            </a:endParaRPr>
+          </a:p>
+          <a:p>
+            <a:pPr>
+              <a:defRPr/>
+            </a:pPr>
+            <a:r>
+              <a:rPr lang="en-US" sz="2100" b="0" i="0" u="none" strike="noStrike" cap="none" spc="0">
+                <a:solidFill>
+                  <a:schemeClr val="bg1"/>
+                </a:solidFill>
+                <a:latin typeface="Arial"/>
+                <a:ea typeface="Arial"/>
+                <a:cs typeface="Arial"/>
+              </a:rPr>
+              <a:t>Why This Matters: 90% of networks = WPA2</a:t>
+            </a:r>
+            <a:endParaRPr>
+              <a:solidFill>
+                <a:schemeClr val="bg1"/>
+              </a:solidFill>
+            </a:endParaRPr>
+          </a:p>
+        </p:txBody>
+      </p:sp>
+    </p:spTree>
+  </p:cSld>
+  <p:clrMapOvr>
+    <a:masterClrMapping/>
+  </p:clrMapOvr>
+  <mc:AlternateContent xmlns:mc="http://schemas.openxmlformats.org/markup-compatibility/2006">
+    <mc:Choice xmlns:p159="http://schemas.microsoft.com/office/powerpoint/2015/09/main" xmlns:p14="http://schemas.microsoft.com/office/powerpoint/2010/main" Requires="p159">
+      <p:transition p14:dur="2000" advClick="1"/>
+    </mc:Choice>
+    <mc:Fallback>
+      <p:transition advClick="1"/>
+    </mc:Fallback>
+  </mc:AlternateContent>
+</p:sld>
+</file>
+
+<file path=ppt/slides/slide7.xml><?xml version="1.0" encoding="utf-8"?>
+<p:sld xmlns:a="http://schemas.openxmlformats.org/drawingml/2006/main" xmlns:r="http://schemas.openxmlformats.org/officeDocument/2006/relationships" xmlns:p="http://schemas.openxmlformats.org/presentationml/2006/main" xmlns:m="http://schemas.openxmlformats.org/officeDocument/2006/math" xmlns:w="http://schemas.openxmlformats.org/wordprocessingml/2006/main" xmlns:mc="http://schemas.openxmlformats.org/markup-compatibility/2006" showMasterPhAnim="0" showMasterSp="1" show="1">
+  <p:cSld name="">
+    <p:spTree>
+      <p:nvGrpSpPr>
+        <p:cNvPr id="1" name=""/>
+        <p:cNvGrpSpPr/>
+        <p:nvPr/>
+      </p:nvGrpSpPr>
+      <p:grpSpPr bwMode="auto">
+        <a:xfrm>
+          <a:off x="0" y="0"/>
+          <a:ext cx="0" cy="0"/>
+          <a:chOff x="0" y="0"/>
+          <a:chExt cx="0" cy="0"/>
+        </a:xfrm>
+      </p:grpSpPr>
+      <p:sp>
+        <p:nvSpPr>
+          <p:cNvPr id="1493964737" name="Title 1"/>
           <p:cNvSpPr>
             <a:spLocks noGrp="1"/>
           </p:cNvSpPr>
@@ -5304,7 +5581,7 @@
       </p:sp>
       <p:pic>
         <p:nvPicPr>
-          <p:cNvPr id="1073655183" name=""/>
+          <p:cNvPr id="265573778" name=""/>
           <p:cNvPicPr>
             <a:picLocks noChangeAspect="1"/>
           </p:cNvPicPr>
@@ -5318,7 +5595,7 @@
         </p:blipFill>
         <p:spPr bwMode="auto">
           <a:xfrm rot="0">
-            <a:off x="386054" y="1825625"/>
+            <a:off x="6451974" y="1148848"/>
             <a:ext cx="4351338" cy="4351338"/>
           </a:xfrm>
           <a:prstGeom prst="rect">
@@ -5326,6 +5603,100 @@
           </a:prstGeom>
         </p:spPr>
       </p:pic>
+      <p:sp>
+        <p:nvSpPr>
+          <p:cNvPr id="500124777" name=""/>
+          <p:cNvSpPr txBox="1"/>
+          <p:nvPr/>
+        </p:nvSpPr>
+        <p:spPr bwMode="auto">
+          <a:xfrm rot="0" flipH="0" flipV="0">
+            <a:off x="838198" y="1854868"/>
+            <a:ext cx="6359778" cy="1189079"/>
+          </a:xfrm>
+          <a:prstGeom prst="rect">
+            <a:avLst/>
+          </a:prstGeom>
+          <a:noFill/>
+        </p:spPr>
+        <p:txBody>
+          <a:bodyPr vertOverflow="overflow" horzOverflow="overflow" vert="horz" wrap="square" lIns="91440" tIns="45720" rIns="91440" bIns="45720" numCol="1" spcCol="0" rtlCol="0" fromWordArt="0" anchor="t" anchorCtr="0" forceAA="0" upright="0" compatLnSpc="0">
+            <a:spAutoFit/>
+          </a:bodyPr>
+          <a:p>
+            <a:pPr>
+              <a:defRPr/>
+            </a:pPr>
+            <a:r>
+              <a:rPr>
+                <a:solidFill>
+                  <a:schemeClr val="bg1"/>
+                </a:solidFill>
+              </a:rPr>
+              <a:t>Hypervisor - Virtualbox</a:t>
+            </a:r>
+            <a:endParaRPr>
+              <a:solidFill>
+                <a:schemeClr val="bg1"/>
+              </a:solidFill>
+            </a:endParaRPr>
+          </a:p>
+          <a:p>
+            <a:pPr>
+              <a:defRPr/>
+            </a:pPr>
+            <a:r>
+              <a:rPr>
+                <a:solidFill>
+                  <a:schemeClr val="bg1"/>
+                </a:solidFill>
+              </a:rPr>
+              <a:t>Kali VM </a:t>
+            </a:r>
+            <a:endParaRPr>
+              <a:solidFill>
+                <a:schemeClr val="bg1"/>
+              </a:solidFill>
+            </a:endParaRPr>
+          </a:p>
+          <a:p>
+            <a:pPr>
+              <a:defRPr/>
+            </a:pPr>
+            <a:r>
+              <a:rPr>
+                <a:solidFill>
+                  <a:schemeClr val="bg1"/>
+                </a:solidFill>
+              </a:rPr>
+              <a:t>external wifi adapter - which supports monitor mode</a:t>
+            </a:r>
+            <a:endParaRPr>
+              <a:solidFill>
+                <a:schemeClr val="bg1"/>
+              </a:solidFill>
+            </a:endParaRPr>
+          </a:p>
+          <a:p>
+            <a:pPr>
+              <a:defRPr/>
+            </a:pPr>
+            <a:r>
+              <a:rPr>
+                <a:solidFill>
+                  <a:schemeClr val="bg1"/>
+                </a:solidFill>
+              </a:rPr>
+              <a:t>test router - TP-Link </a:t>
+            </a:r>
+            <a:endParaRPr>
+              <a:solidFill>
+                <a:schemeClr val="bg1"/>
+              </a:solidFill>
+            </a:endParaRPr>
+          </a:p>
+        </p:txBody>
+      </p:sp>
     </p:spTree>
   </p:cSld>
   <p:clrMapOvr>
